--- a/Day2/Project/AFSWorkshop.plumeria.pptx
+++ b/Day2/Project/AFSWorkshop.plumeria.pptx
@@ -10,7 +10,8 @@
     <p:sldId id="258" r:id="rId4"/>
     <p:sldId id="261" r:id="rId5"/>
     <p:sldId id="260" r:id="rId6"/>
-    <p:sldId id="259" r:id="rId7"/>
+    <p:sldId id="262" r:id="rId7"/>
+    <p:sldId id="259" r:id="rId8"/>
   </p:sldIdLst>
   <p:sldSz cx="12192000" cy="6858000"/>
   <p:notesSz cx="6858000" cy="9144000"/>
@@ -109,6 +110,11 @@
       </a:defRPr>
     </a:lvl9pPr>
   </p:defaultTextStyle>
+  <p:extLst>
+    <p:ext uri="{EFAFB233-063F-42B5-8137-9DF3F51BA10A}">
+      <p15:sldGuideLst xmlns:p15="http://schemas.microsoft.com/office/powerpoint/2012/main"/>
+    </p:ext>
+  </p:extLst>
 </p:presentation>
 </file>
 
@@ -259,7 +265,7 @@
           <a:p>
             <a:fld id="{1662C084-7141-476F-9640-CE0148C2D93C}" type="datetimeFigureOut">
               <a:rPr lang="en-US" smtClean="0"/>
-              <a:t>7/10/2024</a:t>
+              <a:t>7/26/2024</a:t>
             </a:fld>
             <a:endParaRPr lang="en-US"/>
           </a:p>
@@ -457,7 +463,7 @@
           <a:p>
             <a:fld id="{1662C084-7141-476F-9640-CE0148C2D93C}" type="datetimeFigureOut">
               <a:rPr lang="en-US" smtClean="0"/>
-              <a:t>7/10/2024</a:t>
+              <a:t>7/26/2024</a:t>
             </a:fld>
             <a:endParaRPr lang="en-US"/>
           </a:p>
@@ -665,7 +671,7 @@
           <a:p>
             <a:fld id="{1662C084-7141-476F-9640-CE0148C2D93C}" type="datetimeFigureOut">
               <a:rPr lang="en-US" smtClean="0"/>
-              <a:t>7/10/2024</a:t>
+              <a:t>7/26/2024</a:t>
             </a:fld>
             <a:endParaRPr lang="en-US"/>
           </a:p>
@@ -863,7 +869,7 @@
           <a:p>
             <a:fld id="{1662C084-7141-476F-9640-CE0148C2D93C}" type="datetimeFigureOut">
               <a:rPr lang="en-US" smtClean="0"/>
-              <a:t>7/10/2024</a:t>
+              <a:t>7/26/2024</a:t>
             </a:fld>
             <a:endParaRPr lang="en-US"/>
           </a:p>
@@ -1138,7 +1144,7 @@
           <a:p>
             <a:fld id="{1662C084-7141-476F-9640-CE0148C2D93C}" type="datetimeFigureOut">
               <a:rPr lang="en-US" smtClean="0"/>
-              <a:t>7/10/2024</a:t>
+              <a:t>7/26/2024</a:t>
             </a:fld>
             <a:endParaRPr lang="en-US"/>
           </a:p>
@@ -1403,7 +1409,7 @@
           <a:p>
             <a:fld id="{1662C084-7141-476F-9640-CE0148C2D93C}" type="datetimeFigureOut">
               <a:rPr lang="en-US" smtClean="0"/>
-              <a:t>7/10/2024</a:t>
+              <a:t>7/26/2024</a:t>
             </a:fld>
             <a:endParaRPr lang="en-US"/>
           </a:p>
@@ -1815,7 +1821,7 @@
           <a:p>
             <a:fld id="{1662C084-7141-476F-9640-CE0148C2D93C}" type="datetimeFigureOut">
               <a:rPr lang="en-US" smtClean="0"/>
-              <a:t>7/10/2024</a:t>
+              <a:t>7/26/2024</a:t>
             </a:fld>
             <a:endParaRPr lang="en-US"/>
           </a:p>
@@ -1956,7 +1962,7 @@
           <a:p>
             <a:fld id="{1662C084-7141-476F-9640-CE0148C2D93C}" type="datetimeFigureOut">
               <a:rPr lang="en-US" smtClean="0"/>
-              <a:t>7/10/2024</a:t>
+              <a:t>7/26/2024</a:t>
             </a:fld>
             <a:endParaRPr lang="en-US"/>
           </a:p>
@@ -2069,7 +2075,7 @@
           <a:p>
             <a:fld id="{1662C084-7141-476F-9640-CE0148C2D93C}" type="datetimeFigureOut">
               <a:rPr lang="en-US" smtClean="0"/>
-              <a:t>7/10/2024</a:t>
+              <a:t>7/26/2024</a:t>
             </a:fld>
             <a:endParaRPr lang="en-US"/>
           </a:p>
@@ -2380,7 +2386,7 @@
           <a:p>
             <a:fld id="{1662C084-7141-476F-9640-CE0148C2D93C}" type="datetimeFigureOut">
               <a:rPr lang="en-US" smtClean="0"/>
-              <a:t>7/10/2024</a:t>
+              <a:t>7/26/2024</a:t>
             </a:fld>
             <a:endParaRPr lang="en-US"/>
           </a:p>
@@ -2668,7 +2674,7 @@
           <a:p>
             <a:fld id="{1662C084-7141-476F-9640-CE0148C2D93C}" type="datetimeFigureOut">
               <a:rPr lang="en-US" smtClean="0"/>
-              <a:t>7/10/2024</a:t>
+              <a:t>7/26/2024</a:t>
             </a:fld>
             <a:endParaRPr lang="en-US"/>
           </a:p>
@@ -2909,7 +2915,7 @@
           <a:p>
             <a:fld id="{1662C084-7141-476F-9640-CE0148C2D93C}" type="datetimeFigureOut">
               <a:rPr lang="en-US" smtClean="0"/>
-              <a:t>7/10/2024</a:t>
+              <a:t>7/26/2024</a:t>
             </a:fld>
             <a:endParaRPr lang="en-US"/>
           </a:p>
@@ -5299,6 +5305,1669 @@
   <p:cSld>
     <p:bg>
       <p:bgPr>
+        <a:solidFill>
+          <a:srgbClr val="D3E427"/>
+        </a:solidFill>
+        <a:effectLst/>
+      </p:bgPr>
+    </p:bg>
+    <p:spTree>
+      <p:nvGrpSpPr>
+        <p:cNvPr id="1" name=""/>
+        <p:cNvGrpSpPr/>
+        <p:nvPr/>
+      </p:nvGrpSpPr>
+      <p:grpSpPr>
+        <a:xfrm>
+          <a:off x="0" y="0"/>
+          <a:ext cx="0" cy="0"/>
+          <a:chOff x="0" y="0"/>
+          <a:chExt cx="0" cy="0"/>
+        </a:xfrm>
+      </p:grpSpPr>
+      <p:graphicFrame>
+        <p:nvGraphicFramePr>
+          <p:cNvPr id="2" name="Table 2">
+            <a:extLst>
+              <a:ext uri="{FF2B5EF4-FFF2-40B4-BE49-F238E27FC236}">
+                <a16:creationId xmlns:a16="http://schemas.microsoft.com/office/drawing/2014/main" id="{2DACDF03-9751-47F4-8A27-2389F30DF295}"/>
+              </a:ext>
+            </a:extLst>
+          </p:cNvPr>
+          <p:cNvGraphicFramePr>
+            <a:graphicFrameLocks noGrp="1"/>
+          </p:cNvGraphicFramePr>
+          <p:nvPr>
+            <p:extLst>
+              <p:ext uri="{D42A27DB-BD31-4B8C-83A1-F6EECF244321}">
+                <p14:modId xmlns:p14="http://schemas.microsoft.com/office/powerpoint/2010/main" val="3224266835"/>
+              </p:ext>
+            </p:extLst>
+          </p:nvPr>
+        </p:nvGraphicFramePr>
+        <p:xfrm>
+          <a:off x="2614725" y="1887793"/>
+          <a:ext cx="6962550" cy="3301502"/>
+        </p:xfrm>
+        <a:graphic>
+          <a:graphicData uri="http://schemas.openxmlformats.org/drawingml/2006/table">
+            <a:tbl>
+              <a:tblPr firstRow="1" bandRow="1">
+                <a:tableStyleId>{2D5ABB26-0587-4C30-8999-92F81FD0307C}</a:tableStyleId>
+              </a:tblPr>
+              <a:tblGrid>
+                <a:gridCol w="1392510">
+                  <a:extLst>
+                    <a:ext uri="{9D8B030D-6E8A-4147-A177-3AD203B41FA5}">
+                      <a16:colId xmlns:a16="http://schemas.microsoft.com/office/drawing/2014/main" val="2773366569"/>
+                    </a:ext>
+                  </a:extLst>
+                </a:gridCol>
+                <a:gridCol w="1392510">
+                  <a:extLst>
+                    <a:ext uri="{9D8B030D-6E8A-4147-A177-3AD203B41FA5}">
+                      <a16:colId xmlns:a16="http://schemas.microsoft.com/office/drawing/2014/main" val="3740290521"/>
+                    </a:ext>
+                  </a:extLst>
+                </a:gridCol>
+                <a:gridCol w="1392510">
+                  <a:extLst>
+                    <a:ext uri="{9D8B030D-6E8A-4147-A177-3AD203B41FA5}">
+                      <a16:colId xmlns:a16="http://schemas.microsoft.com/office/drawing/2014/main" val="610340287"/>
+                    </a:ext>
+                  </a:extLst>
+                </a:gridCol>
+                <a:gridCol w="1392510">
+                  <a:extLst>
+                    <a:ext uri="{9D8B030D-6E8A-4147-A177-3AD203B41FA5}">
+                      <a16:colId xmlns:a16="http://schemas.microsoft.com/office/drawing/2014/main" val="2371945439"/>
+                    </a:ext>
+                  </a:extLst>
+                </a:gridCol>
+                <a:gridCol w="1392510">
+                  <a:extLst>
+                    <a:ext uri="{9D8B030D-6E8A-4147-A177-3AD203B41FA5}">
+                      <a16:colId xmlns:a16="http://schemas.microsoft.com/office/drawing/2014/main" val="4271476138"/>
+                    </a:ext>
+                  </a:extLst>
+                </a:gridCol>
+              </a:tblGrid>
+              <a:tr h="639650">
+                <a:tc>
+                  <a:txBody>
+                    <a:bodyPr/>
+                    <a:lstStyle/>
+                    <a:p>
+                      <a:endParaRPr lang="en-US" dirty="0"/>
+                    </a:p>
+                  </a:txBody>
+                  <a:tcPr>
+                    <a:lnL w="12700" cap="flat" cmpd="sng" algn="ctr">
+                      <a:solidFill>
+                        <a:schemeClr val="tx1"/>
+                      </a:solidFill>
+                      <a:prstDash val="solid"/>
+                      <a:round/>
+                      <a:headEnd type="none" w="med" len="med"/>
+                      <a:tailEnd type="none" w="med" len="med"/>
+                    </a:lnL>
+                    <a:lnR w="12700" cap="flat" cmpd="sng" algn="ctr">
+                      <a:solidFill>
+                        <a:schemeClr val="tx1"/>
+                      </a:solidFill>
+                      <a:prstDash val="solid"/>
+                      <a:round/>
+                      <a:headEnd type="none" w="med" len="med"/>
+                      <a:tailEnd type="none" w="med" len="med"/>
+                    </a:lnR>
+                    <a:lnT w="12700" cap="flat" cmpd="sng" algn="ctr">
+                      <a:solidFill>
+                        <a:schemeClr val="tx1"/>
+                      </a:solidFill>
+                      <a:prstDash val="solid"/>
+                      <a:round/>
+                      <a:headEnd type="none" w="med" len="med"/>
+                      <a:tailEnd type="none" w="med" len="med"/>
+                    </a:lnT>
+                    <a:lnB w="12700" cap="flat" cmpd="sng" algn="ctr">
+                      <a:solidFill>
+                        <a:schemeClr val="tx1"/>
+                      </a:solidFill>
+                      <a:prstDash val="solid"/>
+                      <a:round/>
+                      <a:headEnd type="none" w="med" len="med"/>
+                      <a:tailEnd type="none" w="med" len="med"/>
+                    </a:lnB>
+                    <a:solidFill>
+                      <a:srgbClr val="EE2385"/>
+                    </a:solidFill>
+                  </a:tcPr>
+                </a:tc>
+                <a:tc>
+                  <a:txBody>
+                    <a:bodyPr/>
+                    <a:lstStyle/>
+                    <a:p>
+                      <a:r>
+                        <a:rPr lang="en-US" dirty="0"/>
+                        <a:t>Mean Petal length</a:t>
+                      </a:r>
+                    </a:p>
+                  </a:txBody>
+                  <a:tcPr>
+                    <a:lnL w="12700" cap="flat" cmpd="sng" algn="ctr">
+                      <a:solidFill>
+                        <a:schemeClr val="tx1"/>
+                      </a:solidFill>
+                      <a:prstDash val="solid"/>
+                      <a:round/>
+                      <a:headEnd type="none" w="med" len="med"/>
+                      <a:tailEnd type="none" w="med" len="med"/>
+                    </a:lnL>
+                    <a:lnR w="12700" cap="flat" cmpd="sng" algn="ctr">
+                      <a:solidFill>
+                        <a:schemeClr val="tx1"/>
+                      </a:solidFill>
+                      <a:prstDash val="solid"/>
+                      <a:round/>
+                      <a:headEnd type="none" w="med" len="med"/>
+                      <a:tailEnd type="none" w="med" len="med"/>
+                    </a:lnR>
+                    <a:lnT w="12700" cap="flat" cmpd="sng" algn="ctr">
+                      <a:solidFill>
+                        <a:schemeClr val="tx1"/>
+                      </a:solidFill>
+                      <a:prstDash val="solid"/>
+                      <a:round/>
+                      <a:headEnd type="none" w="med" len="med"/>
+                      <a:tailEnd type="none" w="med" len="med"/>
+                    </a:lnT>
+                    <a:lnB w="12700" cap="flat" cmpd="sng" algn="ctr">
+                      <a:solidFill>
+                        <a:schemeClr val="tx1"/>
+                      </a:solidFill>
+                      <a:prstDash val="solid"/>
+                      <a:round/>
+                      <a:headEnd type="none" w="med" len="med"/>
+                      <a:tailEnd type="none" w="med" len="med"/>
+                    </a:lnB>
+                    <a:solidFill>
+                      <a:srgbClr val="EE2385"/>
+                    </a:solidFill>
+                  </a:tcPr>
+                </a:tc>
+                <a:tc>
+                  <a:txBody>
+                    <a:bodyPr/>
+                    <a:lstStyle/>
+                    <a:p>
+                      <a:r>
+                        <a:rPr lang="en-US" dirty="0"/>
+                        <a:t>Number of petals</a:t>
+                      </a:r>
+                    </a:p>
+                  </a:txBody>
+                  <a:tcPr>
+                    <a:lnL w="12700" cap="flat" cmpd="sng" algn="ctr">
+                      <a:solidFill>
+                        <a:schemeClr val="tx1"/>
+                      </a:solidFill>
+                      <a:prstDash val="solid"/>
+                      <a:round/>
+                      <a:headEnd type="none" w="med" len="med"/>
+                      <a:tailEnd type="none" w="med" len="med"/>
+                    </a:lnL>
+                    <a:lnR w="12700" cap="flat" cmpd="sng" algn="ctr">
+                      <a:solidFill>
+                        <a:schemeClr val="tx1"/>
+                      </a:solidFill>
+                      <a:prstDash val="solid"/>
+                      <a:round/>
+                      <a:headEnd type="none" w="med" len="med"/>
+                      <a:tailEnd type="none" w="med" len="med"/>
+                    </a:lnR>
+                    <a:lnT w="12700" cap="flat" cmpd="sng" algn="ctr">
+                      <a:solidFill>
+                        <a:schemeClr val="tx1"/>
+                      </a:solidFill>
+                      <a:prstDash val="solid"/>
+                      <a:round/>
+                      <a:headEnd type="none" w="med" len="med"/>
+                      <a:tailEnd type="none" w="med" len="med"/>
+                    </a:lnT>
+                    <a:lnB w="12700" cap="flat" cmpd="sng" algn="ctr">
+                      <a:solidFill>
+                        <a:schemeClr val="tx1"/>
+                      </a:solidFill>
+                      <a:prstDash val="solid"/>
+                      <a:round/>
+                      <a:headEnd type="none" w="med" len="med"/>
+                      <a:tailEnd type="none" w="med" len="med"/>
+                    </a:lnB>
+                    <a:solidFill>
+                      <a:srgbClr val="EE2385"/>
+                    </a:solidFill>
+                  </a:tcPr>
+                </a:tc>
+                <a:tc>
+                  <a:txBody>
+                    <a:bodyPr/>
+                    <a:lstStyle/>
+                    <a:p>
+                      <a:r>
+                        <a:rPr lang="en-US" dirty="0"/>
+                        <a:t>Color</a:t>
+                      </a:r>
+                    </a:p>
+                  </a:txBody>
+                  <a:tcPr>
+                    <a:lnL w="12700" cap="flat" cmpd="sng" algn="ctr">
+                      <a:solidFill>
+                        <a:schemeClr val="tx1"/>
+                      </a:solidFill>
+                      <a:prstDash val="solid"/>
+                      <a:round/>
+                      <a:headEnd type="none" w="med" len="med"/>
+                      <a:tailEnd type="none" w="med" len="med"/>
+                    </a:lnL>
+                    <a:lnR w="12700" cap="flat" cmpd="sng" algn="ctr">
+                      <a:solidFill>
+                        <a:schemeClr val="tx1"/>
+                      </a:solidFill>
+                      <a:prstDash val="solid"/>
+                      <a:round/>
+                      <a:headEnd type="none" w="med" len="med"/>
+                      <a:tailEnd type="none" w="med" len="med"/>
+                    </a:lnR>
+                    <a:lnT w="12700" cap="flat" cmpd="sng" algn="ctr">
+                      <a:solidFill>
+                        <a:schemeClr val="tx1"/>
+                      </a:solidFill>
+                      <a:prstDash val="solid"/>
+                      <a:round/>
+                      <a:headEnd type="none" w="med" len="med"/>
+                      <a:tailEnd type="none" w="med" len="med"/>
+                    </a:lnT>
+                    <a:lnB w="12700" cap="flat" cmpd="sng" algn="ctr">
+                      <a:solidFill>
+                        <a:schemeClr val="tx1"/>
+                      </a:solidFill>
+                      <a:prstDash val="solid"/>
+                      <a:round/>
+                      <a:headEnd type="none" w="med" len="med"/>
+                      <a:tailEnd type="none" w="med" len="med"/>
+                    </a:lnB>
+                    <a:solidFill>
+                      <a:srgbClr val="EE2385"/>
+                    </a:solidFill>
+                  </a:tcPr>
+                </a:tc>
+                <a:tc>
+                  <a:txBody>
+                    <a:bodyPr/>
+                    <a:lstStyle/>
+                    <a:p>
+                      <a:r>
+                        <a:rPr lang="en-US" dirty="0"/>
+                        <a:t>Sample date</a:t>
+                      </a:r>
+                    </a:p>
+                  </a:txBody>
+                  <a:tcPr>
+                    <a:lnL w="12700" cap="flat" cmpd="sng" algn="ctr">
+                      <a:solidFill>
+                        <a:schemeClr val="tx1"/>
+                      </a:solidFill>
+                      <a:prstDash val="solid"/>
+                      <a:round/>
+                      <a:headEnd type="none" w="med" len="med"/>
+                      <a:tailEnd type="none" w="med" len="med"/>
+                    </a:lnL>
+                    <a:lnR w="12700" cap="flat" cmpd="sng" algn="ctr">
+                      <a:solidFill>
+                        <a:schemeClr val="tx1"/>
+                      </a:solidFill>
+                      <a:prstDash val="solid"/>
+                      <a:round/>
+                      <a:headEnd type="none" w="med" len="med"/>
+                      <a:tailEnd type="none" w="med" len="med"/>
+                    </a:lnR>
+                    <a:lnT w="12700" cap="flat" cmpd="sng" algn="ctr">
+                      <a:solidFill>
+                        <a:schemeClr val="tx1"/>
+                      </a:solidFill>
+                      <a:prstDash val="solid"/>
+                      <a:round/>
+                      <a:headEnd type="none" w="med" len="med"/>
+                      <a:tailEnd type="none" w="med" len="med"/>
+                    </a:lnT>
+                    <a:lnB w="12700" cap="flat" cmpd="sng" algn="ctr">
+                      <a:solidFill>
+                        <a:schemeClr val="tx1"/>
+                      </a:solidFill>
+                      <a:prstDash val="solid"/>
+                      <a:round/>
+                      <a:headEnd type="none" w="med" len="med"/>
+                      <a:tailEnd type="none" w="med" len="med"/>
+                    </a:lnB>
+                    <a:solidFill>
+                      <a:srgbClr val="EE2385"/>
+                    </a:solidFill>
+                  </a:tcPr>
+                </a:tc>
+                <a:extLst>
+                  <a:ext uri="{0D108BD9-81ED-4DB2-BD59-A6C34878D82A}">
+                    <a16:rowId xmlns:a16="http://schemas.microsoft.com/office/drawing/2014/main" val="2796228789"/>
+                  </a:ext>
+                </a:extLst>
+              </a:tr>
+              <a:tr h="370591">
+                <a:tc>
+                  <a:txBody>
+                    <a:bodyPr/>
+                    <a:lstStyle/>
+                    <a:p>
+                      <a:r>
+                        <a:rPr lang="en-US" dirty="0"/>
+                        <a:t>1</a:t>
+                      </a:r>
+                    </a:p>
+                  </a:txBody>
+                  <a:tcPr>
+                    <a:lnL w="12700" cap="flat" cmpd="sng" algn="ctr">
+                      <a:solidFill>
+                        <a:schemeClr val="tx1"/>
+                      </a:solidFill>
+                      <a:prstDash val="solid"/>
+                      <a:round/>
+                      <a:headEnd type="none" w="med" len="med"/>
+                      <a:tailEnd type="none" w="med" len="med"/>
+                    </a:lnL>
+                    <a:lnR w="12700" cap="flat" cmpd="sng" algn="ctr">
+                      <a:solidFill>
+                        <a:schemeClr val="tx1"/>
+                      </a:solidFill>
+                      <a:prstDash val="solid"/>
+                      <a:round/>
+                      <a:headEnd type="none" w="med" len="med"/>
+                      <a:tailEnd type="none" w="med" len="med"/>
+                    </a:lnR>
+                    <a:lnT w="12700" cap="flat" cmpd="sng" algn="ctr">
+                      <a:solidFill>
+                        <a:schemeClr val="tx1"/>
+                      </a:solidFill>
+                      <a:prstDash val="solid"/>
+                      <a:round/>
+                      <a:headEnd type="none" w="med" len="med"/>
+                      <a:tailEnd type="none" w="med" len="med"/>
+                    </a:lnT>
+                    <a:lnB w="12700" cap="flat" cmpd="sng" algn="ctr">
+                      <a:solidFill>
+                        <a:schemeClr val="tx1"/>
+                      </a:solidFill>
+                      <a:prstDash val="solid"/>
+                      <a:round/>
+                      <a:headEnd type="none" w="med" len="med"/>
+                      <a:tailEnd type="none" w="med" len="med"/>
+                    </a:lnB>
+                  </a:tcPr>
+                </a:tc>
+                <a:tc>
+                  <a:txBody>
+                    <a:bodyPr/>
+                    <a:lstStyle/>
+                    <a:p>
+                      <a:r>
+                        <a:rPr lang="en-US" dirty="0"/>
+                        <a:t>5.32</a:t>
+                      </a:r>
+                    </a:p>
+                  </a:txBody>
+                  <a:tcPr>
+                    <a:lnL w="12700" cap="flat" cmpd="sng" algn="ctr">
+                      <a:solidFill>
+                        <a:schemeClr val="tx1"/>
+                      </a:solidFill>
+                      <a:prstDash val="solid"/>
+                      <a:round/>
+                      <a:headEnd type="none" w="med" len="med"/>
+                      <a:tailEnd type="none" w="med" len="med"/>
+                    </a:lnL>
+                    <a:lnR w="12700" cap="flat" cmpd="sng" algn="ctr">
+                      <a:solidFill>
+                        <a:schemeClr val="tx1"/>
+                      </a:solidFill>
+                      <a:prstDash val="solid"/>
+                      <a:round/>
+                      <a:headEnd type="none" w="med" len="med"/>
+                      <a:tailEnd type="none" w="med" len="med"/>
+                    </a:lnR>
+                    <a:lnT w="12700" cap="flat" cmpd="sng" algn="ctr">
+                      <a:solidFill>
+                        <a:schemeClr val="tx1"/>
+                      </a:solidFill>
+                      <a:prstDash val="solid"/>
+                      <a:round/>
+                      <a:headEnd type="none" w="med" len="med"/>
+                      <a:tailEnd type="none" w="med" len="med"/>
+                    </a:lnT>
+                    <a:lnB w="12700" cap="flat" cmpd="sng" algn="ctr">
+                      <a:solidFill>
+                        <a:schemeClr val="tx1"/>
+                      </a:solidFill>
+                      <a:prstDash val="solid"/>
+                      <a:round/>
+                      <a:headEnd type="none" w="med" len="med"/>
+                      <a:tailEnd type="none" w="med" len="med"/>
+                    </a:lnB>
+                  </a:tcPr>
+                </a:tc>
+                <a:tc>
+                  <a:txBody>
+                    <a:bodyPr/>
+                    <a:lstStyle/>
+                    <a:p>
+                      <a:r>
+                        <a:rPr lang="en-US" dirty="0"/>
+                        <a:t>5</a:t>
+                      </a:r>
+                    </a:p>
+                  </a:txBody>
+                  <a:tcPr>
+                    <a:lnL w="12700" cap="flat" cmpd="sng" algn="ctr">
+                      <a:solidFill>
+                        <a:schemeClr val="tx1"/>
+                      </a:solidFill>
+                      <a:prstDash val="solid"/>
+                      <a:round/>
+                      <a:headEnd type="none" w="med" len="med"/>
+                      <a:tailEnd type="none" w="med" len="med"/>
+                    </a:lnL>
+                    <a:lnR w="12700" cap="flat" cmpd="sng" algn="ctr">
+                      <a:solidFill>
+                        <a:schemeClr val="tx1"/>
+                      </a:solidFill>
+                      <a:prstDash val="solid"/>
+                      <a:round/>
+                      <a:headEnd type="none" w="med" len="med"/>
+                      <a:tailEnd type="none" w="med" len="med"/>
+                    </a:lnR>
+                    <a:lnT w="12700" cap="flat" cmpd="sng" algn="ctr">
+                      <a:solidFill>
+                        <a:schemeClr val="tx1"/>
+                      </a:solidFill>
+                      <a:prstDash val="solid"/>
+                      <a:round/>
+                      <a:headEnd type="none" w="med" len="med"/>
+                      <a:tailEnd type="none" w="med" len="med"/>
+                    </a:lnT>
+                    <a:lnB w="12700" cap="flat" cmpd="sng" algn="ctr">
+                      <a:solidFill>
+                        <a:schemeClr val="tx1"/>
+                      </a:solidFill>
+                      <a:prstDash val="solid"/>
+                      <a:round/>
+                      <a:headEnd type="none" w="med" len="med"/>
+                      <a:tailEnd type="none" w="med" len="med"/>
+                    </a:lnB>
+                  </a:tcPr>
+                </a:tc>
+                <a:tc>
+                  <a:txBody>
+                    <a:bodyPr/>
+                    <a:lstStyle/>
+                    <a:p>
+                      <a:r>
+                        <a:rPr lang="en-US" dirty="0"/>
+                        <a:t>Pink</a:t>
+                      </a:r>
+                    </a:p>
+                  </a:txBody>
+                  <a:tcPr>
+                    <a:lnL w="12700" cap="flat" cmpd="sng" algn="ctr">
+                      <a:solidFill>
+                        <a:schemeClr val="tx1"/>
+                      </a:solidFill>
+                      <a:prstDash val="solid"/>
+                      <a:round/>
+                      <a:headEnd type="none" w="med" len="med"/>
+                      <a:tailEnd type="none" w="med" len="med"/>
+                    </a:lnL>
+                    <a:lnR w="12700" cap="flat" cmpd="sng" algn="ctr">
+                      <a:solidFill>
+                        <a:schemeClr val="tx1"/>
+                      </a:solidFill>
+                      <a:prstDash val="solid"/>
+                      <a:round/>
+                      <a:headEnd type="none" w="med" len="med"/>
+                      <a:tailEnd type="none" w="med" len="med"/>
+                    </a:lnR>
+                    <a:lnT w="12700" cap="flat" cmpd="sng" algn="ctr">
+                      <a:solidFill>
+                        <a:schemeClr val="tx1"/>
+                      </a:solidFill>
+                      <a:prstDash val="solid"/>
+                      <a:round/>
+                      <a:headEnd type="none" w="med" len="med"/>
+                      <a:tailEnd type="none" w="med" len="med"/>
+                    </a:lnT>
+                    <a:lnB w="12700" cap="flat" cmpd="sng" algn="ctr">
+                      <a:solidFill>
+                        <a:schemeClr val="tx1"/>
+                      </a:solidFill>
+                      <a:prstDash val="solid"/>
+                      <a:round/>
+                      <a:headEnd type="none" w="med" len="med"/>
+                      <a:tailEnd type="none" w="med" len="med"/>
+                    </a:lnB>
+                  </a:tcPr>
+                </a:tc>
+                <a:tc>
+                  <a:txBody>
+                    <a:bodyPr/>
+                    <a:lstStyle/>
+                    <a:p>
+                      <a:r>
+                        <a:rPr lang="en-US" dirty="0"/>
+                        <a:t>10/1/23</a:t>
+                      </a:r>
+                    </a:p>
+                  </a:txBody>
+                  <a:tcPr>
+                    <a:lnL w="12700" cap="flat" cmpd="sng" algn="ctr">
+                      <a:solidFill>
+                        <a:schemeClr val="tx1"/>
+                      </a:solidFill>
+                      <a:prstDash val="solid"/>
+                      <a:round/>
+                      <a:headEnd type="none" w="med" len="med"/>
+                      <a:tailEnd type="none" w="med" len="med"/>
+                    </a:lnL>
+                    <a:lnR w="12700" cap="flat" cmpd="sng" algn="ctr">
+                      <a:solidFill>
+                        <a:schemeClr val="tx1"/>
+                      </a:solidFill>
+                      <a:prstDash val="solid"/>
+                      <a:round/>
+                      <a:headEnd type="none" w="med" len="med"/>
+                      <a:tailEnd type="none" w="med" len="med"/>
+                    </a:lnR>
+                    <a:lnT w="12700" cap="flat" cmpd="sng" algn="ctr">
+                      <a:solidFill>
+                        <a:schemeClr val="tx1"/>
+                      </a:solidFill>
+                      <a:prstDash val="solid"/>
+                      <a:round/>
+                      <a:headEnd type="none" w="med" len="med"/>
+                      <a:tailEnd type="none" w="med" len="med"/>
+                    </a:lnT>
+                    <a:lnB w="12700" cap="flat" cmpd="sng" algn="ctr">
+                      <a:solidFill>
+                        <a:schemeClr val="tx1"/>
+                      </a:solidFill>
+                      <a:prstDash val="solid"/>
+                      <a:round/>
+                      <a:headEnd type="none" w="med" len="med"/>
+                      <a:tailEnd type="none" w="med" len="med"/>
+                    </a:lnB>
+                  </a:tcPr>
+                </a:tc>
+                <a:extLst>
+                  <a:ext uri="{0D108BD9-81ED-4DB2-BD59-A6C34878D82A}">
+                    <a16:rowId xmlns:a16="http://schemas.microsoft.com/office/drawing/2014/main" val="2272354808"/>
+                  </a:ext>
+                </a:extLst>
+              </a:tr>
+              <a:tr h="370591">
+                <a:tc>
+                  <a:txBody>
+                    <a:bodyPr/>
+                    <a:lstStyle/>
+                    <a:p>
+                      <a:r>
+                        <a:rPr lang="en-US" dirty="0"/>
+                        <a:t>2</a:t>
+                      </a:r>
+                    </a:p>
+                  </a:txBody>
+                  <a:tcPr>
+                    <a:lnL w="12700" cap="flat" cmpd="sng" algn="ctr">
+                      <a:solidFill>
+                        <a:schemeClr val="tx1"/>
+                      </a:solidFill>
+                      <a:prstDash val="solid"/>
+                      <a:round/>
+                      <a:headEnd type="none" w="med" len="med"/>
+                      <a:tailEnd type="none" w="med" len="med"/>
+                    </a:lnL>
+                    <a:lnR w="12700" cap="flat" cmpd="sng" algn="ctr">
+                      <a:solidFill>
+                        <a:schemeClr val="tx1"/>
+                      </a:solidFill>
+                      <a:prstDash val="solid"/>
+                      <a:round/>
+                      <a:headEnd type="none" w="med" len="med"/>
+                      <a:tailEnd type="none" w="med" len="med"/>
+                    </a:lnR>
+                    <a:lnT w="12700" cap="flat" cmpd="sng" algn="ctr">
+                      <a:solidFill>
+                        <a:schemeClr val="tx1"/>
+                      </a:solidFill>
+                      <a:prstDash val="solid"/>
+                      <a:round/>
+                      <a:headEnd type="none" w="med" len="med"/>
+                      <a:tailEnd type="none" w="med" len="med"/>
+                    </a:lnT>
+                    <a:lnB w="12700" cap="flat" cmpd="sng" algn="ctr">
+                      <a:solidFill>
+                        <a:schemeClr val="tx1"/>
+                      </a:solidFill>
+                      <a:prstDash val="solid"/>
+                      <a:round/>
+                      <a:headEnd type="none" w="med" len="med"/>
+                      <a:tailEnd type="none" w="med" len="med"/>
+                    </a:lnB>
+                  </a:tcPr>
+                </a:tc>
+                <a:tc>
+                  <a:txBody>
+                    <a:bodyPr/>
+                    <a:lstStyle/>
+                    <a:p>
+                      <a:r>
+                        <a:rPr lang="en-US" dirty="0"/>
+                        <a:t>4.32</a:t>
+                      </a:r>
+                    </a:p>
+                  </a:txBody>
+                  <a:tcPr>
+                    <a:lnL w="12700" cap="flat" cmpd="sng" algn="ctr">
+                      <a:solidFill>
+                        <a:schemeClr val="tx1"/>
+                      </a:solidFill>
+                      <a:prstDash val="solid"/>
+                      <a:round/>
+                      <a:headEnd type="none" w="med" len="med"/>
+                      <a:tailEnd type="none" w="med" len="med"/>
+                    </a:lnL>
+                    <a:lnR w="12700" cap="flat" cmpd="sng" algn="ctr">
+                      <a:solidFill>
+                        <a:schemeClr val="tx1"/>
+                      </a:solidFill>
+                      <a:prstDash val="solid"/>
+                      <a:round/>
+                      <a:headEnd type="none" w="med" len="med"/>
+                      <a:tailEnd type="none" w="med" len="med"/>
+                    </a:lnR>
+                    <a:lnT w="12700" cap="flat" cmpd="sng" algn="ctr">
+                      <a:solidFill>
+                        <a:schemeClr val="tx1"/>
+                      </a:solidFill>
+                      <a:prstDash val="solid"/>
+                      <a:round/>
+                      <a:headEnd type="none" w="med" len="med"/>
+                      <a:tailEnd type="none" w="med" len="med"/>
+                    </a:lnT>
+                    <a:lnB w="12700" cap="flat" cmpd="sng" algn="ctr">
+                      <a:solidFill>
+                        <a:schemeClr val="tx1"/>
+                      </a:solidFill>
+                      <a:prstDash val="solid"/>
+                      <a:round/>
+                      <a:headEnd type="none" w="med" len="med"/>
+                      <a:tailEnd type="none" w="med" len="med"/>
+                    </a:lnB>
+                  </a:tcPr>
+                </a:tc>
+                <a:tc>
+                  <a:txBody>
+                    <a:bodyPr/>
+                    <a:lstStyle/>
+                    <a:p>
+                      <a:r>
+                        <a:rPr lang="en-US" dirty="0"/>
+                        <a:t>5</a:t>
+                      </a:r>
+                    </a:p>
+                  </a:txBody>
+                  <a:tcPr>
+                    <a:lnL w="12700" cap="flat" cmpd="sng" algn="ctr">
+                      <a:solidFill>
+                        <a:schemeClr val="tx1"/>
+                      </a:solidFill>
+                      <a:prstDash val="solid"/>
+                      <a:round/>
+                      <a:headEnd type="none" w="med" len="med"/>
+                      <a:tailEnd type="none" w="med" len="med"/>
+                    </a:lnL>
+                    <a:lnR w="12700" cap="flat" cmpd="sng" algn="ctr">
+                      <a:solidFill>
+                        <a:schemeClr val="tx1"/>
+                      </a:solidFill>
+                      <a:prstDash val="solid"/>
+                      <a:round/>
+                      <a:headEnd type="none" w="med" len="med"/>
+                      <a:tailEnd type="none" w="med" len="med"/>
+                    </a:lnR>
+                    <a:lnT w="12700" cap="flat" cmpd="sng" algn="ctr">
+                      <a:solidFill>
+                        <a:schemeClr val="tx1"/>
+                      </a:solidFill>
+                      <a:prstDash val="solid"/>
+                      <a:round/>
+                      <a:headEnd type="none" w="med" len="med"/>
+                      <a:tailEnd type="none" w="med" len="med"/>
+                    </a:lnT>
+                    <a:lnB w="12700" cap="flat" cmpd="sng" algn="ctr">
+                      <a:solidFill>
+                        <a:schemeClr val="tx1"/>
+                      </a:solidFill>
+                      <a:prstDash val="solid"/>
+                      <a:round/>
+                      <a:headEnd type="none" w="med" len="med"/>
+                      <a:tailEnd type="none" w="med" len="med"/>
+                    </a:lnB>
+                  </a:tcPr>
+                </a:tc>
+                <a:tc>
+                  <a:txBody>
+                    <a:bodyPr/>
+                    <a:lstStyle/>
+                    <a:p>
+                      <a:r>
+                        <a:rPr lang="en-US" dirty="0"/>
+                        <a:t>Pink and white</a:t>
+                      </a:r>
+                    </a:p>
+                  </a:txBody>
+                  <a:tcPr>
+                    <a:lnL w="12700" cap="flat" cmpd="sng" algn="ctr">
+                      <a:solidFill>
+                        <a:schemeClr val="tx1"/>
+                      </a:solidFill>
+                      <a:prstDash val="solid"/>
+                      <a:round/>
+                      <a:headEnd type="none" w="med" len="med"/>
+                      <a:tailEnd type="none" w="med" len="med"/>
+                    </a:lnL>
+                    <a:lnR w="12700" cap="flat" cmpd="sng" algn="ctr">
+                      <a:solidFill>
+                        <a:schemeClr val="tx1"/>
+                      </a:solidFill>
+                      <a:prstDash val="solid"/>
+                      <a:round/>
+                      <a:headEnd type="none" w="med" len="med"/>
+                      <a:tailEnd type="none" w="med" len="med"/>
+                    </a:lnR>
+                    <a:lnT w="12700" cap="flat" cmpd="sng" algn="ctr">
+                      <a:solidFill>
+                        <a:schemeClr val="tx1"/>
+                      </a:solidFill>
+                      <a:prstDash val="solid"/>
+                      <a:round/>
+                      <a:headEnd type="none" w="med" len="med"/>
+                      <a:tailEnd type="none" w="med" len="med"/>
+                    </a:lnT>
+                    <a:lnB w="12700" cap="flat" cmpd="sng" algn="ctr">
+                      <a:solidFill>
+                        <a:schemeClr val="tx1"/>
+                      </a:solidFill>
+                      <a:prstDash val="solid"/>
+                      <a:round/>
+                      <a:headEnd type="none" w="med" len="med"/>
+                      <a:tailEnd type="none" w="med" len="med"/>
+                    </a:lnB>
+                  </a:tcPr>
+                </a:tc>
+                <a:tc>
+                  <a:txBody>
+                    <a:bodyPr/>
+                    <a:lstStyle/>
+                    <a:p>
+                      <a:r>
+                        <a:rPr lang="en-US" dirty="0"/>
+                        <a:t>10/1/23</a:t>
+                      </a:r>
+                    </a:p>
+                  </a:txBody>
+                  <a:tcPr>
+                    <a:lnL w="12700" cap="flat" cmpd="sng" algn="ctr">
+                      <a:solidFill>
+                        <a:schemeClr val="tx1"/>
+                      </a:solidFill>
+                      <a:prstDash val="solid"/>
+                      <a:round/>
+                      <a:headEnd type="none" w="med" len="med"/>
+                      <a:tailEnd type="none" w="med" len="med"/>
+                    </a:lnL>
+                    <a:lnR w="12700" cap="flat" cmpd="sng" algn="ctr">
+                      <a:solidFill>
+                        <a:schemeClr val="tx1"/>
+                      </a:solidFill>
+                      <a:prstDash val="solid"/>
+                      <a:round/>
+                      <a:headEnd type="none" w="med" len="med"/>
+                      <a:tailEnd type="none" w="med" len="med"/>
+                    </a:lnR>
+                    <a:lnT w="12700" cap="flat" cmpd="sng" algn="ctr">
+                      <a:solidFill>
+                        <a:schemeClr val="tx1"/>
+                      </a:solidFill>
+                      <a:prstDash val="solid"/>
+                      <a:round/>
+                      <a:headEnd type="none" w="med" len="med"/>
+                      <a:tailEnd type="none" w="med" len="med"/>
+                    </a:lnT>
+                    <a:lnB w="12700" cap="flat" cmpd="sng" algn="ctr">
+                      <a:solidFill>
+                        <a:schemeClr val="tx1"/>
+                      </a:solidFill>
+                      <a:prstDash val="solid"/>
+                      <a:round/>
+                      <a:headEnd type="none" w="med" len="med"/>
+                      <a:tailEnd type="none" w="med" len="med"/>
+                    </a:lnB>
+                  </a:tcPr>
+                </a:tc>
+                <a:extLst>
+                  <a:ext uri="{0D108BD9-81ED-4DB2-BD59-A6C34878D82A}">
+                    <a16:rowId xmlns:a16="http://schemas.microsoft.com/office/drawing/2014/main" val="1860478757"/>
+                  </a:ext>
+                </a:extLst>
+              </a:tr>
+              <a:tr h="639650">
+                <a:tc>
+                  <a:txBody>
+                    <a:bodyPr/>
+                    <a:lstStyle/>
+                    <a:p>
+                      <a:r>
+                        <a:rPr lang="en-US" dirty="0"/>
+                        <a:t>3</a:t>
+                      </a:r>
+                    </a:p>
+                  </a:txBody>
+                  <a:tcPr>
+                    <a:lnL w="12700" cap="flat" cmpd="sng" algn="ctr">
+                      <a:solidFill>
+                        <a:schemeClr val="tx1"/>
+                      </a:solidFill>
+                      <a:prstDash val="solid"/>
+                      <a:round/>
+                      <a:headEnd type="none" w="med" len="med"/>
+                      <a:tailEnd type="none" w="med" len="med"/>
+                    </a:lnL>
+                    <a:lnR w="12700" cap="flat" cmpd="sng" algn="ctr">
+                      <a:solidFill>
+                        <a:schemeClr val="tx1"/>
+                      </a:solidFill>
+                      <a:prstDash val="solid"/>
+                      <a:round/>
+                      <a:headEnd type="none" w="med" len="med"/>
+                      <a:tailEnd type="none" w="med" len="med"/>
+                    </a:lnR>
+                    <a:lnT w="12700" cap="flat" cmpd="sng" algn="ctr">
+                      <a:solidFill>
+                        <a:schemeClr val="tx1"/>
+                      </a:solidFill>
+                      <a:prstDash val="solid"/>
+                      <a:round/>
+                      <a:headEnd type="none" w="med" len="med"/>
+                      <a:tailEnd type="none" w="med" len="med"/>
+                    </a:lnT>
+                    <a:lnB w="12700" cap="flat" cmpd="sng" algn="ctr">
+                      <a:solidFill>
+                        <a:schemeClr val="tx1"/>
+                      </a:solidFill>
+                      <a:prstDash val="solid"/>
+                      <a:round/>
+                      <a:headEnd type="none" w="med" len="med"/>
+                      <a:tailEnd type="none" w="med" len="med"/>
+                    </a:lnB>
+                  </a:tcPr>
+                </a:tc>
+                <a:tc>
+                  <a:txBody>
+                    <a:bodyPr/>
+                    <a:lstStyle/>
+                    <a:p>
+                      <a:r>
+                        <a:rPr lang="en-US" dirty="0"/>
+                        <a:t>4.56</a:t>
+                      </a:r>
+                    </a:p>
+                  </a:txBody>
+                  <a:tcPr>
+                    <a:lnL w="12700" cap="flat" cmpd="sng" algn="ctr">
+                      <a:solidFill>
+                        <a:schemeClr val="tx1"/>
+                      </a:solidFill>
+                      <a:prstDash val="solid"/>
+                      <a:round/>
+                      <a:headEnd type="none" w="med" len="med"/>
+                      <a:tailEnd type="none" w="med" len="med"/>
+                    </a:lnL>
+                    <a:lnR w="12700" cap="flat" cmpd="sng" algn="ctr">
+                      <a:solidFill>
+                        <a:schemeClr val="tx1"/>
+                      </a:solidFill>
+                      <a:prstDash val="solid"/>
+                      <a:round/>
+                      <a:headEnd type="none" w="med" len="med"/>
+                      <a:tailEnd type="none" w="med" len="med"/>
+                    </a:lnR>
+                    <a:lnT w="12700" cap="flat" cmpd="sng" algn="ctr">
+                      <a:solidFill>
+                        <a:schemeClr val="tx1"/>
+                      </a:solidFill>
+                      <a:prstDash val="solid"/>
+                      <a:round/>
+                      <a:headEnd type="none" w="med" len="med"/>
+                      <a:tailEnd type="none" w="med" len="med"/>
+                    </a:lnT>
+                    <a:lnB w="12700" cap="flat" cmpd="sng" algn="ctr">
+                      <a:solidFill>
+                        <a:schemeClr val="tx1"/>
+                      </a:solidFill>
+                      <a:prstDash val="solid"/>
+                      <a:round/>
+                      <a:headEnd type="none" w="med" len="med"/>
+                      <a:tailEnd type="none" w="med" len="med"/>
+                    </a:lnB>
+                  </a:tcPr>
+                </a:tc>
+                <a:tc>
+                  <a:txBody>
+                    <a:bodyPr/>
+                    <a:lstStyle/>
+                    <a:p>
+                      <a:r>
+                        <a:rPr lang="en-US" dirty="0"/>
+                        <a:t>5</a:t>
+                      </a:r>
+                    </a:p>
+                  </a:txBody>
+                  <a:tcPr>
+                    <a:lnL w="12700" cap="flat" cmpd="sng" algn="ctr">
+                      <a:solidFill>
+                        <a:schemeClr val="tx1"/>
+                      </a:solidFill>
+                      <a:prstDash val="solid"/>
+                      <a:round/>
+                      <a:headEnd type="none" w="med" len="med"/>
+                      <a:tailEnd type="none" w="med" len="med"/>
+                    </a:lnL>
+                    <a:lnR w="12700" cap="flat" cmpd="sng" algn="ctr">
+                      <a:solidFill>
+                        <a:schemeClr val="tx1"/>
+                      </a:solidFill>
+                      <a:prstDash val="solid"/>
+                      <a:round/>
+                      <a:headEnd type="none" w="med" len="med"/>
+                      <a:tailEnd type="none" w="med" len="med"/>
+                    </a:lnR>
+                    <a:lnT w="12700" cap="flat" cmpd="sng" algn="ctr">
+                      <a:solidFill>
+                        <a:schemeClr val="tx1"/>
+                      </a:solidFill>
+                      <a:prstDash val="solid"/>
+                      <a:round/>
+                      <a:headEnd type="none" w="med" len="med"/>
+                      <a:tailEnd type="none" w="med" len="med"/>
+                    </a:lnT>
+                    <a:lnB w="12700" cap="flat" cmpd="sng" algn="ctr">
+                      <a:solidFill>
+                        <a:schemeClr val="tx1"/>
+                      </a:solidFill>
+                      <a:prstDash val="solid"/>
+                      <a:round/>
+                      <a:headEnd type="none" w="med" len="med"/>
+                      <a:tailEnd type="none" w="med" len="med"/>
+                    </a:lnB>
+                  </a:tcPr>
+                </a:tc>
+                <a:tc>
+                  <a:txBody>
+                    <a:bodyPr/>
+                    <a:lstStyle/>
+                    <a:p>
+                      <a:r>
+                        <a:rPr lang="en-US" dirty="0"/>
+                        <a:t>Yellow and white</a:t>
+                      </a:r>
+                    </a:p>
+                  </a:txBody>
+                  <a:tcPr>
+                    <a:lnL w="12700" cap="flat" cmpd="sng" algn="ctr">
+                      <a:solidFill>
+                        <a:schemeClr val="tx1"/>
+                      </a:solidFill>
+                      <a:prstDash val="solid"/>
+                      <a:round/>
+                      <a:headEnd type="none" w="med" len="med"/>
+                      <a:tailEnd type="none" w="med" len="med"/>
+                    </a:lnL>
+                    <a:lnR w="12700" cap="flat" cmpd="sng" algn="ctr">
+                      <a:solidFill>
+                        <a:schemeClr val="tx1"/>
+                      </a:solidFill>
+                      <a:prstDash val="solid"/>
+                      <a:round/>
+                      <a:headEnd type="none" w="med" len="med"/>
+                      <a:tailEnd type="none" w="med" len="med"/>
+                    </a:lnR>
+                    <a:lnT w="12700" cap="flat" cmpd="sng" algn="ctr">
+                      <a:solidFill>
+                        <a:schemeClr val="tx1"/>
+                      </a:solidFill>
+                      <a:prstDash val="solid"/>
+                      <a:round/>
+                      <a:headEnd type="none" w="med" len="med"/>
+                      <a:tailEnd type="none" w="med" len="med"/>
+                    </a:lnT>
+                    <a:lnB w="12700" cap="flat" cmpd="sng" algn="ctr">
+                      <a:solidFill>
+                        <a:schemeClr val="tx1"/>
+                      </a:solidFill>
+                      <a:prstDash val="solid"/>
+                      <a:round/>
+                      <a:headEnd type="none" w="med" len="med"/>
+                      <a:tailEnd type="none" w="med" len="med"/>
+                    </a:lnB>
+                  </a:tcPr>
+                </a:tc>
+                <a:tc>
+                  <a:txBody>
+                    <a:bodyPr/>
+                    <a:lstStyle/>
+                    <a:p>
+                      <a:r>
+                        <a:rPr lang="en-US" dirty="0"/>
+                        <a:t>10/1/23</a:t>
+                      </a:r>
+                    </a:p>
+                  </a:txBody>
+                  <a:tcPr>
+                    <a:lnL w="12700" cap="flat" cmpd="sng" algn="ctr">
+                      <a:solidFill>
+                        <a:schemeClr val="tx1"/>
+                      </a:solidFill>
+                      <a:prstDash val="solid"/>
+                      <a:round/>
+                      <a:headEnd type="none" w="med" len="med"/>
+                      <a:tailEnd type="none" w="med" len="med"/>
+                    </a:lnL>
+                    <a:lnR w="12700" cap="flat" cmpd="sng" algn="ctr">
+                      <a:solidFill>
+                        <a:schemeClr val="tx1"/>
+                      </a:solidFill>
+                      <a:prstDash val="solid"/>
+                      <a:round/>
+                      <a:headEnd type="none" w="med" len="med"/>
+                      <a:tailEnd type="none" w="med" len="med"/>
+                    </a:lnR>
+                    <a:lnT w="12700" cap="flat" cmpd="sng" algn="ctr">
+                      <a:solidFill>
+                        <a:schemeClr val="tx1"/>
+                      </a:solidFill>
+                      <a:prstDash val="solid"/>
+                      <a:round/>
+                      <a:headEnd type="none" w="med" len="med"/>
+                      <a:tailEnd type="none" w="med" len="med"/>
+                    </a:lnT>
+                    <a:lnB w="12700" cap="flat" cmpd="sng" algn="ctr">
+                      <a:solidFill>
+                        <a:schemeClr val="tx1"/>
+                      </a:solidFill>
+                      <a:prstDash val="solid"/>
+                      <a:round/>
+                      <a:headEnd type="none" w="med" len="med"/>
+                      <a:tailEnd type="none" w="med" len="med"/>
+                    </a:lnB>
+                  </a:tcPr>
+                </a:tc>
+                <a:extLst>
+                  <a:ext uri="{0D108BD9-81ED-4DB2-BD59-A6C34878D82A}">
+                    <a16:rowId xmlns:a16="http://schemas.microsoft.com/office/drawing/2014/main" val="445774601"/>
+                  </a:ext>
+                </a:extLst>
+              </a:tr>
+              <a:tr h="370591">
+                <a:tc>
+                  <a:txBody>
+                    <a:bodyPr/>
+                    <a:lstStyle/>
+                    <a:p>
+                      <a:r>
+                        <a:rPr lang="en-US" dirty="0"/>
+                        <a:t>4</a:t>
+                      </a:r>
+                    </a:p>
+                  </a:txBody>
+                  <a:tcPr>
+                    <a:lnL w="12700" cap="flat" cmpd="sng" algn="ctr">
+                      <a:solidFill>
+                        <a:schemeClr val="tx1"/>
+                      </a:solidFill>
+                      <a:prstDash val="solid"/>
+                      <a:round/>
+                      <a:headEnd type="none" w="med" len="med"/>
+                      <a:tailEnd type="none" w="med" len="med"/>
+                    </a:lnL>
+                    <a:lnR w="12700" cap="flat" cmpd="sng" algn="ctr">
+                      <a:solidFill>
+                        <a:schemeClr val="tx1"/>
+                      </a:solidFill>
+                      <a:prstDash val="solid"/>
+                      <a:round/>
+                      <a:headEnd type="none" w="med" len="med"/>
+                      <a:tailEnd type="none" w="med" len="med"/>
+                    </a:lnR>
+                    <a:lnT w="12700" cap="flat" cmpd="sng" algn="ctr">
+                      <a:solidFill>
+                        <a:schemeClr val="tx1"/>
+                      </a:solidFill>
+                      <a:prstDash val="solid"/>
+                      <a:round/>
+                      <a:headEnd type="none" w="med" len="med"/>
+                      <a:tailEnd type="none" w="med" len="med"/>
+                    </a:lnT>
+                    <a:lnB w="12700" cap="flat" cmpd="sng" algn="ctr">
+                      <a:solidFill>
+                        <a:schemeClr val="tx1"/>
+                      </a:solidFill>
+                      <a:prstDash val="solid"/>
+                      <a:round/>
+                      <a:headEnd type="none" w="med" len="med"/>
+                      <a:tailEnd type="none" w="med" len="med"/>
+                    </a:lnB>
+                  </a:tcPr>
+                </a:tc>
+                <a:tc>
+                  <a:txBody>
+                    <a:bodyPr/>
+                    <a:lstStyle/>
+                    <a:p>
+                      <a:r>
+                        <a:rPr lang="en-US" dirty="0"/>
+                        <a:t>7.4</a:t>
+                      </a:r>
+                    </a:p>
+                  </a:txBody>
+                  <a:tcPr>
+                    <a:lnL w="12700" cap="flat" cmpd="sng" algn="ctr">
+                      <a:solidFill>
+                        <a:schemeClr val="tx1"/>
+                      </a:solidFill>
+                      <a:prstDash val="solid"/>
+                      <a:round/>
+                      <a:headEnd type="none" w="med" len="med"/>
+                      <a:tailEnd type="none" w="med" len="med"/>
+                    </a:lnL>
+                    <a:lnR w="12700" cap="flat" cmpd="sng" algn="ctr">
+                      <a:solidFill>
+                        <a:schemeClr val="tx1"/>
+                      </a:solidFill>
+                      <a:prstDash val="solid"/>
+                      <a:round/>
+                      <a:headEnd type="none" w="med" len="med"/>
+                      <a:tailEnd type="none" w="med" len="med"/>
+                    </a:lnR>
+                    <a:lnT w="12700" cap="flat" cmpd="sng" algn="ctr">
+                      <a:solidFill>
+                        <a:schemeClr val="tx1"/>
+                      </a:solidFill>
+                      <a:prstDash val="solid"/>
+                      <a:round/>
+                      <a:headEnd type="none" w="med" len="med"/>
+                      <a:tailEnd type="none" w="med" len="med"/>
+                    </a:lnT>
+                    <a:lnB w="12700" cap="flat" cmpd="sng" algn="ctr">
+                      <a:solidFill>
+                        <a:schemeClr val="tx1"/>
+                      </a:solidFill>
+                      <a:prstDash val="solid"/>
+                      <a:round/>
+                      <a:headEnd type="none" w="med" len="med"/>
+                      <a:tailEnd type="none" w="med" len="med"/>
+                    </a:lnB>
+                  </a:tcPr>
+                </a:tc>
+                <a:tc>
+                  <a:txBody>
+                    <a:bodyPr/>
+                    <a:lstStyle/>
+                    <a:p>
+                      <a:r>
+                        <a:rPr lang="en-US" dirty="0"/>
+                        <a:t>5</a:t>
+                      </a:r>
+                    </a:p>
+                  </a:txBody>
+                  <a:tcPr>
+                    <a:lnL w="12700" cap="flat" cmpd="sng" algn="ctr">
+                      <a:solidFill>
+                        <a:schemeClr val="tx1"/>
+                      </a:solidFill>
+                      <a:prstDash val="solid"/>
+                      <a:round/>
+                      <a:headEnd type="none" w="med" len="med"/>
+                      <a:tailEnd type="none" w="med" len="med"/>
+                    </a:lnL>
+                    <a:lnR w="12700" cap="flat" cmpd="sng" algn="ctr">
+                      <a:solidFill>
+                        <a:schemeClr val="tx1"/>
+                      </a:solidFill>
+                      <a:prstDash val="solid"/>
+                      <a:round/>
+                      <a:headEnd type="none" w="med" len="med"/>
+                      <a:tailEnd type="none" w="med" len="med"/>
+                    </a:lnR>
+                    <a:lnT w="12700" cap="flat" cmpd="sng" algn="ctr">
+                      <a:solidFill>
+                        <a:schemeClr val="tx1"/>
+                      </a:solidFill>
+                      <a:prstDash val="solid"/>
+                      <a:round/>
+                      <a:headEnd type="none" w="med" len="med"/>
+                      <a:tailEnd type="none" w="med" len="med"/>
+                    </a:lnT>
+                    <a:lnB w="12700" cap="flat" cmpd="sng" algn="ctr">
+                      <a:solidFill>
+                        <a:schemeClr val="tx1"/>
+                      </a:solidFill>
+                      <a:prstDash val="solid"/>
+                      <a:round/>
+                      <a:headEnd type="none" w="med" len="med"/>
+                      <a:tailEnd type="none" w="med" len="med"/>
+                    </a:lnB>
+                  </a:tcPr>
+                </a:tc>
+                <a:tc>
+                  <a:txBody>
+                    <a:bodyPr/>
+                    <a:lstStyle/>
+                    <a:p>
+                      <a:r>
+                        <a:rPr lang="en-US" dirty="0"/>
+                        <a:t>Pink</a:t>
+                      </a:r>
+                    </a:p>
+                  </a:txBody>
+                  <a:tcPr>
+                    <a:lnL w="12700" cap="flat" cmpd="sng" algn="ctr">
+                      <a:solidFill>
+                        <a:schemeClr val="tx1"/>
+                      </a:solidFill>
+                      <a:prstDash val="solid"/>
+                      <a:round/>
+                      <a:headEnd type="none" w="med" len="med"/>
+                      <a:tailEnd type="none" w="med" len="med"/>
+                    </a:lnL>
+                    <a:lnR w="12700" cap="flat" cmpd="sng" algn="ctr">
+                      <a:solidFill>
+                        <a:schemeClr val="tx1"/>
+                      </a:solidFill>
+                      <a:prstDash val="solid"/>
+                      <a:round/>
+                      <a:headEnd type="none" w="med" len="med"/>
+                      <a:tailEnd type="none" w="med" len="med"/>
+                    </a:lnR>
+                    <a:lnT w="12700" cap="flat" cmpd="sng" algn="ctr">
+                      <a:solidFill>
+                        <a:schemeClr val="tx1"/>
+                      </a:solidFill>
+                      <a:prstDash val="solid"/>
+                      <a:round/>
+                      <a:headEnd type="none" w="med" len="med"/>
+                      <a:tailEnd type="none" w="med" len="med"/>
+                    </a:lnT>
+                    <a:lnB w="12700" cap="flat" cmpd="sng" algn="ctr">
+                      <a:solidFill>
+                        <a:schemeClr val="tx1"/>
+                      </a:solidFill>
+                      <a:prstDash val="solid"/>
+                      <a:round/>
+                      <a:headEnd type="none" w="med" len="med"/>
+                      <a:tailEnd type="none" w="med" len="med"/>
+                    </a:lnB>
+                  </a:tcPr>
+                </a:tc>
+                <a:tc>
+                  <a:txBody>
+                    <a:bodyPr/>
+                    <a:lstStyle/>
+                    <a:p>
+                      <a:r>
+                        <a:rPr lang="en-US" dirty="0"/>
+                        <a:t>10/1/23</a:t>
+                      </a:r>
+                    </a:p>
+                  </a:txBody>
+                  <a:tcPr>
+                    <a:lnL w="12700" cap="flat" cmpd="sng" algn="ctr">
+                      <a:solidFill>
+                        <a:schemeClr val="tx1"/>
+                      </a:solidFill>
+                      <a:prstDash val="solid"/>
+                      <a:round/>
+                      <a:headEnd type="none" w="med" len="med"/>
+                      <a:tailEnd type="none" w="med" len="med"/>
+                    </a:lnL>
+                    <a:lnR w="12700" cap="flat" cmpd="sng" algn="ctr">
+                      <a:solidFill>
+                        <a:schemeClr val="tx1"/>
+                      </a:solidFill>
+                      <a:prstDash val="solid"/>
+                      <a:round/>
+                      <a:headEnd type="none" w="med" len="med"/>
+                      <a:tailEnd type="none" w="med" len="med"/>
+                    </a:lnR>
+                    <a:lnT w="12700" cap="flat" cmpd="sng" algn="ctr">
+                      <a:solidFill>
+                        <a:schemeClr val="tx1"/>
+                      </a:solidFill>
+                      <a:prstDash val="solid"/>
+                      <a:round/>
+                      <a:headEnd type="none" w="med" len="med"/>
+                      <a:tailEnd type="none" w="med" len="med"/>
+                    </a:lnT>
+                    <a:lnB w="12700" cap="flat" cmpd="sng" algn="ctr">
+                      <a:solidFill>
+                        <a:schemeClr val="tx1"/>
+                      </a:solidFill>
+                      <a:prstDash val="solid"/>
+                      <a:round/>
+                      <a:headEnd type="none" w="med" len="med"/>
+                      <a:tailEnd type="none" w="med" len="med"/>
+                    </a:lnB>
+                  </a:tcPr>
+                </a:tc>
+                <a:extLst>
+                  <a:ext uri="{0D108BD9-81ED-4DB2-BD59-A6C34878D82A}">
+                    <a16:rowId xmlns:a16="http://schemas.microsoft.com/office/drawing/2014/main" val="4065279884"/>
+                  </a:ext>
+                </a:extLst>
+              </a:tr>
+              <a:tr h="370591">
+                <a:tc>
+                  <a:txBody>
+                    <a:bodyPr/>
+                    <a:lstStyle/>
+                    <a:p>
+                      <a:r>
+                        <a:rPr lang="en-US" dirty="0"/>
+                        <a:t>5</a:t>
+                      </a:r>
+                    </a:p>
+                  </a:txBody>
+                  <a:tcPr>
+                    <a:lnL w="12700" cap="flat" cmpd="sng" algn="ctr">
+                      <a:solidFill>
+                        <a:schemeClr val="tx1"/>
+                      </a:solidFill>
+                      <a:prstDash val="solid"/>
+                      <a:round/>
+                      <a:headEnd type="none" w="med" len="med"/>
+                      <a:tailEnd type="none" w="med" len="med"/>
+                    </a:lnL>
+                    <a:lnR w="12700" cap="flat" cmpd="sng" algn="ctr">
+                      <a:solidFill>
+                        <a:schemeClr val="tx1"/>
+                      </a:solidFill>
+                      <a:prstDash val="solid"/>
+                      <a:round/>
+                      <a:headEnd type="none" w="med" len="med"/>
+                      <a:tailEnd type="none" w="med" len="med"/>
+                    </a:lnR>
+                    <a:lnT w="12700" cap="flat" cmpd="sng" algn="ctr">
+                      <a:solidFill>
+                        <a:schemeClr val="tx1"/>
+                      </a:solidFill>
+                      <a:prstDash val="solid"/>
+                      <a:round/>
+                      <a:headEnd type="none" w="med" len="med"/>
+                      <a:tailEnd type="none" w="med" len="med"/>
+                    </a:lnT>
+                    <a:lnB w="12700" cap="flat" cmpd="sng" algn="ctr">
+                      <a:solidFill>
+                        <a:schemeClr val="tx1"/>
+                      </a:solidFill>
+                      <a:prstDash val="solid"/>
+                      <a:round/>
+                      <a:headEnd type="none" w="med" len="med"/>
+                      <a:tailEnd type="none" w="med" len="med"/>
+                    </a:lnB>
+                  </a:tcPr>
+                </a:tc>
+                <a:tc>
+                  <a:txBody>
+                    <a:bodyPr/>
+                    <a:lstStyle/>
+                    <a:p>
+                      <a:r>
+                        <a:rPr lang="en-US" dirty="0"/>
+                        <a:t>6.33</a:t>
+                      </a:r>
+                    </a:p>
+                  </a:txBody>
+                  <a:tcPr>
+                    <a:lnL w="12700" cap="flat" cmpd="sng" algn="ctr">
+                      <a:solidFill>
+                        <a:schemeClr val="tx1"/>
+                      </a:solidFill>
+                      <a:prstDash val="solid"/>
+                      <a:round/>
+                      <a:headEnd type="none" w="med" len="med"/>
+                      <a:tailEnd type="none" w="med" len="med"/>
+                    </a:lnL>
+                    <a:lnR w="12700" cap="flat" cmpd="sng" algn="ctr">
+                      <a:solidFill>
+                        <a:schemeClr val="tx1"/>
+                      </a:solidFill>
+                      <a:prstDash val="solid"/>
+                      <a:round/>
+                      <a:headEnd type="none" w="med" len="med"/>
+                      <a:tailEnd type="none" w="med" len="med"/>
+                    </a:lnR>
+                    <a:lnT w="12700" cap="flat" cmpd="sng" algn="ctr">
+                      <a:solidFill>
+                        <a:schemeClr val="tx1"/>
+                      </a:solidFill>
+                      <a:prstDash val="solid"/>
+                      <a:round/>
+                      <a:headEnd type="none" w="med" len="med"/>
+                      <a:tailEnd type="none" w="med" len="med"/>
+                    </a:lnT>
+                    <a:lnB w="12700" cap="flat" cmpd="sng" algn="ctr">
+                      <a:solidFill>
+                        <a:schemeClr val="tx1"/>
+                      </a:solidFill>
+                      <a:prstDash val="solid"/>
+                      <a:round/>
+                      <a:headEnd type="none" w="med" len="med"/>
+                      <a:tailEnd type="none" w="med" len="med"/>
+                    </a:lnB>
+                  </a:tcPr>
+                </a:tc>
+                <a:tc>
+                  <a:txBody>
+                    <a:bodyPr/>
+                    <a:lstStyle/>
+                    <a:p>
+                      <a:r>
+                        <a:rPr lang="en-US" dirty="0"/>
+                        <a:t>5</a:t>
+                      </a:r>
+                    </a:p>
+                  </a:txBody>
+                  <a:tcPr>
+                    <a:lnL w="12700" cap="flat" cmpd="sng" algn="ctr">
+                      <a:solidFill>
+                        <a:schemeClr val="tx1"/>
+                      </a:solidFill>
+                      <a:prstDash val="solid"/>
+                      <a:round/>
+                      <a:headEnd type="none" w="med" len="med"/>
+                      <a:tailEnd type="none" w="med" len="med"/>
+                    </a:lnL>
+                    <a:lnR w="12700" cap="flat" cmpd="sng" algn="ctr">
+                      <a:solidFill>
+                        <a:schemeClr val="tx1"/>
+                      </a:solidFill>
+                      <a:prstDash val="solid"/>
+                      <a:round/>
+                      <a:headEnd type="none" w="med" len="med"/>
+                      <a:tailEnd type="none" w="med" len="med"/>
+                    </a:lnR>
+                    <a:lnT w="12700" cap="flat" cmpd="sng" algn="ctr">
+                      <a:solidFill>
+                        <a:schemeClr val="tx1"/>
+                      </a:solidFill>
+                      <a:prstDash val="solid"/>
+                      <a:round/>
+                      <a:headEnd type="none" w="med" len="med"/>
+                      <a:tailEnd type="none" w="med" len="med"/>
+                    </a:lnT>
+                    <a:lnB w="12700" cap="flat" cmpd="sng" algn="ctr">
+                      <a:solidFill>
+                        <a:schemeClr val="tx1"/>
+                      </a:solidFill>
+                      <a:prstDash val="solid"/>
+                      <a:round/>
+                      <a:headEnd type="none" w="med" len="med"/>
+                      <a:tailEnd type="none" w="med" len="med"/>
+                    </a:lnB>
+                  </a:tcPr>
+                </a:tc>
+                <a:tc>
+                  <a:txBody>
+                    <a:bodyPr/>
+                    <a:lstStyle/>
+                    <a:p>
+                      <a:r>
+                        <a:rPr lang="en-US" dirty="0"/>
+                        <a:t>White and pink</a:t>
+                      </a:r>
+                    </a:p>
+                  </a:txBody>
+                  <a:tcPr>
+                    <a:lnL w="12700" cap="flat" cmpd="sng" algn="ctr">
+                      <a:solidFill>
+                        <a:schemeClr val="tx1"/>
+                      </a:solidFill>
+                      <a:prstDash val="solid"/>
+                      <a:round/>
+                      <a:headEnd type="none" w="med" len="med"/>
+                      <a:tailEnd type="none" w="med" len="med"/>
+                    </a:lnL>
+                    <a:lnR w="12700" cap="flat" cmpd="sng" algn="ctr">
+                      <a:solidFill>
+                        <a:schemeClr val="tx1"/>
+                      </a:solidFill>
+                      <a:prstDash val="solid"/>
+                      <a:round/>
+                      <a:headEnd type="none" w="med" len="med"/>
+                      <a:tailEnd type="none" w="med" len="med"/>
+                    </a:lnR>
+                    <a:lnT w="12700" cap="flat" cmpd="sng" algn="ctr">
+                      <a:solidFill>
+                        <a:schemeClr val="tx1"/>
+                      </a:solidFill>
+                      <a:prstDash val="solid"/>
+                      <a:round/>
+                      <a:headEnd type="none" w="med" len="med"/>
+                      <a:tailEnd type="none" w="med" len="med"/>
+                    </a:lnT>
+                    <a:lnB w="12700" cap="flat" cmpd="sng" algn="ctr">
+                      <a:solidFill>
+                        <a:schemeClr val="tx1"/>
+                      </a:solidFill>
+                      <a:prstDash val="solid"/>
+                      <a:round/>
+                      <a:headEnd type="none" w="med" len="med"/>
+                      <a:tailEnd type="none" w="med" len="med"/>
+                    </a:lnB>
+                  </a:tcPr>
+                </a:tc>
+                <a:tc>
+                  <a:txBody>
+                    <a:bodyPr/>
+                    <a:lstStyle/>
+                    <a:p>
+                      <a:r>
+                        <a:rPr lang="en-US" dirty="0"/>
+                        <a:t>10/1/23</a:t>
+                      </a:r>
+                    </a:p>
+                  </a:txBody>
+                  <a:tcPr>
+                    <a:lnL w="12700" cap="flat" cmpd="sng" algn="ctr">
+                      <a:solidFill>
+                        <a:schemeClr val="tx1"/>
+                      </a:solidFill>
+                      <a:prstDash val="solid"/>
+                      <a:round/>
+                      <a:headEnd type="none" w="med" len="med"/>
+                      <a:tailEnd type="none" w="med" len="med"/>
+                    </a:lnL>
+                    <a:lnR w="12700" cap="flat" cmpd="sng" algn="ctr">
+                      <a:solidFill>
+                        <a:schemeClr val="tx1"/>
+                      </a:solidFill>
+                      <a:prstDash val="solid"/>
+                      <a:round/>
+                      <a:headEnd type="none" w="med" len="med"/>
+                      <a:tailEnd type="none" w="med" len="med"/>
+                    </a:lnR>
+                    <a:lnT w="12700" cap="flat" cmpd="sng" algn="ctr">
+                      <a:solidFill>
+                        <a:schemeClr val="tx1"/>
+                      </a:solidFill>
+                      <a:prstDash val="solid"/>
+                      <a:round/>
+                      <a:headEnd type="none" w="med" len="med"/>
+                      <a:tailEnd type="none" w="med" len="med"/>
+                    </a:lnT>
+                    <a:lnB w="12700" cap="flat" cmpd="sng" algn="ctr">
+                      <a:solidFill>
+                        <a:schemeClr val="tx1"/>
+                      </a:solidFill>
+                      <a:prstDash val="solid"/>
+                      <a:round/>
+                      <a:headEnd type="none" w="med" len="med"/>
+                      <a:tailEnd type="none" w="med" len="med"/>
+                    </a:lnB>
+                  </a:tcPr>
+                </a:tc>
+                <a:extLst>
+                  <a:ext uri="{0D108BD9-81ED-4DB2-BD59-A6C34878D82A}">
+                    <a16:rowId xmlns:a16="http://schemas.microsoft.com/office/drawing/2014/main" val="1529275922"/>
+                  </a:ext>
+                </a:extLst>
+              </a:tr>
+            </a:tbl>
+          </a:graphicData>
+        </a:graphic>
+      </p:graphicFrame>
+    </p:spTree>
+    <p:extLst>
+      <p:ext uri="{BB962C8B-B14F-4D97-AF65-F5344CB8AC3E}">
+        <p14:creationId xmlns:p14="http://schemas.microsoft.com/office/powerpoint/2010/main" val="478599951"/>
+      </p:ext>
+    </p:extLst>
+  </p:cSld>
+  <p:clrMapOvr>
+    <a:masterClrMapping/>
+  </p:clrMapOvr>
+</p:sld>
+</file>
+
+<file path=ppt/slides/slide7.xml><?xml version="1.0" encoding="utf-8"?>
+<p:sld xmlns:a="http://schemas.openxmlformats.org/drawingml/2006/main" xmlns:r="http://schemas.openxmlformats.org/officeDocument/2006/relationships" xmlns:p="http://schemas.openxmlformats.org/presentationml/2006/main">
+  <p:cSld>
+    <p:bg>
+      <p:bgPr>
         <a:blipFill dpi="0" rotWithShape="1">
           <a:blip r:embed="rId2">
             <a:lum/>

--- a/Day2/Project/AFSWorkshop.plumeria.pptx
+++ b/Day2/Project/AFSWorkshop.plumeria.pptx
@@ -265,7 +265,7 @@
           <a:p>
             <a:fld id="{1662C084-7141-476F-9640-CE0148C2D93C}" type="datetimeFigureOut">
               <a:rPr lang="en-US" smtClean="0"/>
-              <a:t>7/26/2024</a:t>
+              <a:t>8/7/2024</a:t>
             </a:fld>
             <a:endParaRPr lang="en-US"/>
           </a:p>
@@ -463,7 +463,7 @@
           <a:p>
             <a:fld id="{1662C084-7141-476F-9640-CE0148C2D93C}" type="datetimeFigureOut">
               <a:rPr lang="en-US" smtClean="0"/>
-              <a:t>7/26/2024</a:t>
+              <a:t>8/7/2024</a:t>
             </a:fld>
             <a:endParaRPr lang="en-US"/>
           </a:p>
@@ -671,7 +671,7 @@
           <a:p>
             <a:fld id="{1662C084-7141-476F-9640-CE0148C2D93C}" type="datetimeFigureOut">
               <a:rPr lang="en-US" smtClean="0"/>
-              <a:t>7/26/2024</a:t>
+              <a:t>8/7/2024</a:t>
             </a:fld>
             <a:endParaRPr lang="en-US"/>
           </a:p>
@@ -869,7 +869,7 @@
           <a:p>
             <a:fld id="{1662C084-7141-476F-9640-CE0148C2D93C}" type="datetimeFigureOut">
               <a:rPr lang="en-US" smtClean="0"/>
-              <a:t>7/26/2024</a:t>
+              <a:t>8/7/2024</a:t>
             </a:fld>
             <a:endParaRPr lang="en-US"/>
           </a:p>
@@ -1144,7 +1144,7 @@
           <a:p>
             <a:fld id="{1662C084-7141-476F-9640-CE0148C2D93C}" type="datetimeFigureOut">
               <a:rPr lang="en-US" smtClean="0"/>
-              <a:t>7/26/2024</a:t>
+              <a:t>8/7/2024</a:t>
             </a:fld>
             <a:endParaRPr lang="en-US"/>
           </a:p>
@@ -1409,7 +1409,7 @@
           <a:p>
             <a:fld id="{1662C084-7141-476F-9640-CE0148C2D93C}" type="datetimeFigureOut">
               <a:rPr lang="en-US" smtClean="0"/>
-              <a:t>7/26/2024</a:t>
+              <a:t>8/7/2024</a:t>
             </a:fld>
             <a:endParaRPr lang="en-US"/>
           </a:p>
@@ -1821,7 +1821,7 @@
           <a:p>
             <a:fld id="{1662C084-7141-476F-9640-CE0148C2D93C}" type="datetimeFigureOut">
               <a:rPr lang="en-US" smtClean="0"/>
-              <a:t>7/26/2024</a:t>
+              <a:t>8/7/2024</a:t>
             </a:fld>
             <a:endParaRPr lang="en-US"/>
           </a:p>
@@ -1962,7 +1962,7 @@
           <a:p>
             <a:fld id="{1662C084-7141-476F-9640-CE0148C2D93C}" type="datetimeFigureOut">
               <a:rPr lang="en-US" smtClean="0"/>
-              <a:t>7/26/2024</a:t>
+              <a:t>8/7/2024</a:t>
             </a:fld>
             <a:endParaRPr lang="en-US"/>
           </a:p>
@@ -2075,7 +2075,7 @@
           <a:p>
             <a:fld id="{1662C084-7141-476F-9640-CE0148C2D93C}" type="datetimeFigureOut">
               <a:rPr lang="en-US" smtClean="0"/>
-              <a:t>7/26/2024</a:t>
+              <a:t>8/7/2024</a:t>
             </a:fld>
             <a:endParaRPr lang="en-US"/>
           </a:p>
@@ -2386,7 +2386,7 @@
           <a:p>
             <a:fld id="{1662C084-7141-476F-9640-CE0148C2D93C}" type="datetimeFigureOut">
               <a:rPr lang="en-US" smtClean="0"/>
-              <a:t>7/26/2024</a:t>
+              <a:t>8/7/2024</a:t>
             </a:fld>
             <a:endParaRPr lang="en-US"/>
           </a:p>
@@ -2674,7 +2674,7 @@
           <a:p>
             <a:fld id="{1662C084-7141-476F-9640-CE0148C2D93C}" type="datetimeFigureOut">
               <a:rPr lang="en-US" smtClean="0"/>
-              <a:t>7/26/2024</a:t>
+              <a:t>8/7/2024</a:t>
             </a:fld>
             <a:endParaRPr lang="en-US"/>
           </a:p>
@@ -2915,7 +2915,7 @@
           <a:p>
             <a:fld id="{1662C084-7141-476F-9640-CE0148C2D93C}" type="datetimeFigureOut">
               <a:rPr lang="en-US" smtClean="0"/>
-              <a:t>7/26/2024</a:t>
+              <a:t>8/7/2024</a:t>
             </a:fld>
             <a:endParaRPr lang="en-US"/>
           </a:p>
@@ -3367,7 +3367,12 @@
             <p:ph type="ctrTitle"/>
           </p:nvPr>
         </p:nvSpPr>
-        <p:spPr/>
+        <p:spPr>
+          <a:xfrm>
+            <a:off x="888521" y="1122363"/>
+            <a:ext cx="10414958" cy="2387600"/>
+          </a:xfrm>
+        </p:spPr>
         <p:txBody>
           <a:bodyPr>
             <a:normAutofit fontScale="90000"/>
@@ -3375,10 +3380,12 @@
           <a:lstStyle/>
           <a:p>
             <a:r>
-              <a:rPr lang="en-US" sz="8800" b="1" dirty="0">
+              <a:rPr lang="en-US" sz="8800" dirty="0">
                 <a:solidFill>
-                  <a:srgbClr val="7030A0"/>
+                  <a:srgbClr val="FAEC87"/>
                 </a:solidFill>
+                <a:latin typeface="Cambria" panose="02040503050406030204" pitchFamily="18" charset="0"/>
+                <a:ea typeface="Cambria" panose="02040503050406030204" pitchFamily="18" charset="0"/>
               </a:rPr>
               <a:t>PLUMERIA IN HAWAII</a:t>
             </a:r>
@@ -3412,7 +3419,10 @@
           <a:lstStyle/>
           <a:p>
             <a:r>
-              <a:rPr lang="en-US" dirty="0"/>
+              <a:rPr lang="en-US" dirty="0">
+                <a:latin typeface="Cambria" panose="02040503050406030204" pitchFamily="18" charset="0"/>
+                <a:ea typeface="Cambria" panose="02040503050406030204" pitchFamily="18" charset="0"/>
+              </a:rPr>
               <a:t>AFS Workshop September 2024</a:t>
             </a:r>
           </a:p>
@@ -3498,6 +3508,7 @@
                 <a:solidFill>
                   <a:srgbClr val="A65993"/>
                 </a:solidFill>
+                <a:latin typeface="Bell MT" panose="02020503060305020303" pitchFamily="18" charset="0"/>
               </a:rPr>
               <a:t>Plumeria are not native to </a:t>
             </a:r>
@@ -3506,6 +3517,7 @@
                 <a:solidFill>
                   <a:srgbClr val="A65993"/>
                 </a:solidFill>
+                <a:latin typeface="Bell MT" panose="02020503060305020303" pitchFamily="18" charset="0"/>
               </a:rPr>
               <a:t>Hawai’i</a:t>
             </a:r>
@@ -3514,6 +3526,7 @@
                 <a:solidFill>
                   <a:srgbClr val="A65993"/>
                 </a:solidFill>
+                <a:latin typeface="Bell MT" panose="02020503060305020303" pitchFamily="18" charset="0"/>
               </a:rPr>
               <a:t>. They were brought to Hawai’i in 1860. </a:t>
             </a:r>
@@ -3524,6 +3537,7 @@
                 <a:solidFill>
                   <a:srgbClr val="A65993"/>
                 </a:solidFill>
+                <a:latin typeface="Bell MT" panose="02020503060305020303" pitchFamily="18" charset="0"/>
               </a:rPr>
               <a:t>Plumeria are endemic to Mexico, Central America, and the Caribbean</a:t>
             </a:r>
@@ -3533,6 +3547,7 @@
               <a:solidFill>
                 <a:srgbClr val="A65993"/>
               </a:solidFill>
+              <a:latin typeface="Bell MT" panose="02020503060305020303" pitchFamily="18" charset="0"/>
             </a:endParaRPr>
           </a:p>
         </p:txBody>
@@ -3576,7 +3591,7 @@
           <a:p>
             <a:pPr algn="ctr"/>
             <a:r>
-              <a:rPr lang="en-US" sz="5400" b="1" dirty="0">
+              <a:rPr lang="en-US" sz="5400" dirty="0">
                 <a:ln w="22225">
                   <a:solidFill>
                     <a:schemeClr val="accent2"/>
@@ -3589,6 +3604,7 @@
                     <a:lumOff val="60000"/>
                   </a:schemeClr>
                 </a:solidFill>
+                <a:latin typeface="Bell MT" panose="02020503060305020303" pitchFamily="18" charset="0"/>
               </a:rPr>
               <a:t>Where are plumeria from?</a:t>
             </a:r>
@@ -3669,7 +3685,9 @@
           <a:lstStyle/>
           <a:p>
             <a:r>
-              <a:rPr lang="en-US" dirty="0"/>
+              <a:rPr lang="en-US" dirty="0">
+                <a:latin typeface="Bell MT" panose="02020503060305020303" pitchFamily="18" charset="0"/>
+              </a:rPr>
               <a:t>Characteristics of plumeria</a:t>
             </a:r>
           </a:p>
@@ -3702,7 +3720,9 @@
           <a:lstStyle/>
           <a:p>
             <a:r>
-              <a:rPr lang="en-US" dirty="0"/>
+              <a:rPr lang="en-US" dirty="0">
+                <a:latin typeface="Bell MT" panose="02020503060305020303" pitchFamily="18" charset="0"/>
+              </a:rPr>
               <a:t>SMALL TREES, GROW UP TO 30 FT</a:t>
             </a:r>
           </a:p>
@@ -3712,6 +3732,7 @@
                 <a:solidFill>
                   <a:srgbClr val="0070C0"/>
                 </a:solidFill>
+                <a:latin typeface="Bell MT" panose="02020503060305020303" pitchFamily="18" charset="0"/>
               </a:rPr>
               <a:t>flower in early summer to fall</a:t>
             </a:r>
@@ -3722,6 +3743,7 @@
                 <a:solidFill>
                   <a:srgbClr val="00B050"/>
                 </a:solidFill>
+                <a:latin typeface="Bell MT" panose="02020503060305020303" pitchFamily="18" charset="0"/>
               </a:rPr>
               <a:t>Deciduous Types Loose All Leaves In The Winter But </a:t>
             </a:r>
@@ -3730,6 +3752,7 @@
                 <a:solidFill>
                   <a:srgbClr val="00B050"/>
                 </a:solidFill>
+                <a:latin typeface="Bell MT" panose="02020503060305020303" pitchFamily="18" charset="0"/>
               </a:rPr>
               <a:t>Plumeria </a:t>
             </a:r>
@@ -3738,6 +3761,7 @@
                 <a:solidFill>
                   <a:srgbClr val="00B050"/>
                 </a:solidFill>
+                <a:latin typeface="Bell MT" panose="02020503060305020303" pitchFamily="18" charset="0"/>
               </a:rPr>
               <a:t>Obtusa</a:t>
             </a:r>
@@ -3746,6 +3770,7 @@
                 <a:solidFill>
                   <a:srgbClr val="00B050"/>
                 </a:solidFill>
+                <a:latin typeface="Bell MT" panose="02020503060305020303" pitchFamily="18" charset="0"/>
               </a:rPr>
               <a:t> And Its Hybrids Keep Their Leaves Year-round</a:t>
             </a:r>
@@ -3754,8 +3779,9 @@
             <a:r>
               <a:rPr lang="en-US" u="sng" dirty="0">
                 <a:solidFill>
-                  <a:schemeClr val="accent2"/>
+                  <a:srgbClr val="AC659B"/>
                 </a:solidFill>
+                <a:latin typeface="Bell MT" panose="02020503060305020303" pitchFamily="18" charset="0"/>
               </a:rPr>
               <a:t>flowers have 5 2-3 in petals that spread out in a pinwheel shape</a:t>
             </a:r>
@@ -3803,7 +3829,9 @@
           </a:bodyPr>
           <a:lstStyle/>
           <a:p>
-            <a:endParaRPr lang="en-US"/>
+            <a:endParaRPr lang="en-US">
+              <a:latin typeface="Bell MT" panose="02020503060305020303" pitchFamily="18" charset="0"/>
+            </a:endParaRPr>
           </a:p>
         </p:txBody>
       </p:sp>
@@ -3829,8 +3857,8 @@
         </p:blipFill>
         <p:spPr>
           <a:xfrm>
-            <a:off x="7402445" y="1144877"/>
-            <a:ext cx="3286149" cy="4568246"/>
+            <a:off x="8291567" y="2380891"/>
+            <a:ext cx="1507906" cy="2096218"/>
           </a:xfrm>
           <a:prstGeom prst="rect">
             <a:avLst/>
@@ -3851,6 +3879,7 @@
                 <a:alpha val="33000"/>
               </a:srgbClr>
             </a:outerShdw>
+            <a:reflection blurRad="6350" stA="50000" endA="300" endPos="38500" dist="50800" dir="5400000" sy="-100000" algn="bl" rotWithShape="0"/>
           </a:effectLst>
           <a:scene3d>
             <a:camera prst="perspectiveContrastingLeftFacing">
@@ -3895,15 +3924,21 @@
           <a:lstStyle/>
           <a:p>
             <a:r>
-              <a:rPr lang="en-US" sz="1000" dirty="0"/>
+              <a:rPr lang="en-US" sz="1000" dirty="0">
+                <a:latin typeface="Bell MT" panose="02020503060305020303" pitchFamily="18" charset="0"/>
+              </a:rPr>
               <a:t>Figure 1. Plumeria leaf and flower characteristics (</a:t>
             </a:r>
             <a:r>
-              <a:rPr lang="en-US" sz="1000" dirty="0" err="1"/>
+              <a:rPr lang="en-US" sz="1000" dirty="0" err="1">
+                <a:latin typeface="Bell MT" panose="02020503060305020303" pitchFamily="18" charset="0"/>
+              </a:rPr>
               <a:t>Criley</a:t>
             </a:r>
             <a:r>
-              <a:rPr lang="en-US" sz="1000" dirty="0"/>
+              <a:rPr lang="en-US" sz="1000" dirty="0">
+                <a:latin typeface="Bell MT" panose="02020503060305020303" pitchFamily="18" charset="0"/>
+              </a:rPr>
               <a:t>, 2005)</a:t>
             </a:r>
           </a:p>
@@ -5340,7 +5375,7 @@
           <p:nvPr>
             <p:extLst>
               <p:ext uri="{D42A27DB-BD31-4B8C-83A1-F6EECF244321}">
-                <p14:modId xmlns:p14="http://schemas.microsoft.com/office/powerpoint/2010/main" val="3224266835"/>
+                <p14:modId xmlns:p14="http://schemas.microsoft.com/office/powerpoint/2010/main" val="3956468717"/>
               </p:ext>
             </p:extLst>
           </p:nvPr>
@@ -5818,7 +5853,11 @@
                     <a:lstStyle/>
                     <a:p>
                       <a:r>
-                        <a:rPr lang="en-US" dirty="0"/>
+                        <a:rPr lang="en-US" dirty="0">
+                          <a:highlight>
+                            <a:srgbClr val="EE2385"/>
+                          </a:highlight>
+                        </a:rPr>
                         <a:t>Pink</a:t>
                       </a:r>
                     </a:p>
@@ -6075,8 +6114,24 @@
                     <a:lstStyle/>
                     <a:p>
                       <a:r>
+                        <a:rPr lang="en-US" dirty="0">
+                          <a:highlight>
+                            <a:srgbClr val="EE2385"/>
+                          </a:highlight>
+                        </a:rPr>
+                        <a:t>Pink</a:t>
+                      </a:r>
+                      <a:r>
                         <a:rPr lang="en-US" dirty="0"/>
-                        <a:t>Pink and white</a:t>
+                        <a:t> and </a:t>
+                      </a:r>
+                      <a:r>
+                        <a:rPr lang="en-US" dirty="0">
+                          <a:solidFill>
+                            <a:srgbClr val="FFFFFF"/>
+                          </a:solidFill>
+                        </a:rPr>
+                        <a:t>white</a:t>
                       </a:r>
                     </a:p>
                   </a:txBody>
@@ -6332,8 +6387,24 @@
                     <a:lstStyle/>
                     <a:p>
                       <a:r>
+                        <a:rPr lang="en-US" dirty="0">
+                          <a:highlight>
+                            <a:srgbClr val="FFFF00"/>
+                          </a:highlight>
+                        </a:rPr>
+                        <a:t>Yellow</a:t>
+                      </a:r>
+                      <a:r>
                         <a:rPr lang="en-US" dirty="0"/>
-                        <a:t>Yellow and white</a:t>
+                        <a:t> and </a:t>
+                      </a:r>
+                      <a:r>
+                        <a:rPr lang="en-US" dirty="0">
+                          <a:highlight>
+                            <a:srgbClr val="FFFFFF"/>
+                          </a:highlight>
+                        </a:rPr>
+                        <a:t>white</a:t>
                       </a:r>
                     </a:p>
                   </a:txBody>
@@ -6589,7 +6660,11 @@
                     <a:lstStyle/>
                     <a:p>
                       <a:r>
-                        <a:rPr lang="en-US" dirty="0"/>
+                        <a:rPr lang="en-US" dirty="0">
+                          <a:highlight>
+                            <a:srgbClr val="EE2385"/>
+                          </a:highlight>
+                        </a:rPr>
                         <a:t>Pink</a:t>
                       </a:r>
                     </a:p>
@@ -6846,8 +6921,24 @@
                     <a:lstStyle/>
                     <a:p>
                       <a:r>
+                        <a:rPr lang="en-US" dirty="0">
+                          <a:highlight>
+                            <a:srgbClr val="FFFFFF"/>
+                          </a:highlight>
+                        </a:rPr>
+                        <a:t>White</a:t>
+                      </a:r>
+                      <a:r>
                         <a:rPr lang="en-US" dirty="0"/>
-                        <a:t>White and pink</a:t>
+                        <a:t> and </a:t>
+                      </a:r>
+                      <a:r>
+                        <a:rPr lang="en-US" dirty="0">
+                          <a:highlight>
+                            <a:srgbClr val="EE2385"/>
+                          </a:highlight>
+                        </a:rPr>
+                        <a:t>pink</a:t>
                       </a:r>
                     </a:p>
                   </a:txBody>
@@ -6950,6 +7041,53 @@
           </a:graphicData>
         </a:graphic>
       </p:graphicFrame>
+      <p:pic>
+        <p:nvPicPr>
+          <p:cNvPr id="3" name="Picture 16" descr="Hawaiian Duke - Plumeria Cuttings | Plumeria Tropicals">
+            <a:extLst>
+              <a:ext uri="{FF2B5EF4-FFF2-40B4-BE49-F238E27FC236}">
+                <a16:creationId xmlns:a16="http://schemas.microsoft.com/office/drawing/2014/main" id="{33D8048C-9917-9D3D-71B8-29E6612BC850}"/>
+              </a:ext>
+            </a:extLst>
+          </p:cNvPr>
+          <p:cNvPicPr>
+            <a:picLocks noChangeAspect="1" noChangeArrowheads="1"/>
+          </p:cNvPicPr>
+          <p:nvPr/>
+        </p:nvPicPr>
+        <p:blipFill>
+          <a:blip r:embed="rId2">
+            <a:extLst>
+              <a:ext uri="{28A0092B-C50C-407E-A947-70E740481C1C}">
+                <a14:useLocalDpi xmlns:a14="http://schemas.microsoft.com/office/drawing/2010/main" val="0"/>
+              </a:ext>
+            </a:extLst>
+          </a:blip>
+          <a:srcRect/>
+          <a:stretch>
+            <a:fillRect/>
+          </a:stretch>
+        </p:blipFill>
+        <p:spPr bwMode="auto">
+          <a:xfrm>
+            <a:off x="1262331" y="370936"/>
+            <a:ext cx="1958709" cy="1958709"/>
+          </a:xfrm>
+          <a:prstGeom prst="rect">
+            <a:avLst/>
+          </a:prstGeom>
+          <a:noFill/>
+          <a:extLst>
+            <a:ext uri="{909E8E84-426E-40DD-AFC4-6F175D3DCCD1}">
+              <a14:hiddenFill xmlns:a14="http://schemas.microsoft.com/office/drawing/2010/main">
+                <a:solidFill>
+                  <a:srgbClr val="FFFFFF"/>
+                </a:solidFill>
+              </a14:hiddenFill>
+            </a:ext>
+          </a:extLst>
+        </p:spPr>
+      </p:pic>
     </p:spTree>
     <p:extLst>
       <p:ext uri="{BB962C8B-B14F-4D97-AF65-F5344CB8AC3E}">
@@ -7021,7 +7159,9 @@
           <a:lstStyle/>
           <a:p>
             <a:r>
-              <a:rPr lang="en-US" dirty="0"/>
+              <a:rPr lang="en-US" dirty="0">
+                <a:latin typeface="Bell MT" panose="02020503060305020303" pitchFamily="18" charset="0"/>
+              </a:rPr>
               <a:t>References</a:t>
             </a:r>
           </a:p>
@@ -7050,19 +7190,26 @@
           <a:p>
             <a:r>
               <a:rPr lang="en-US" dirty="0">
+                <a:latin typeface="Bell MT" panose="02020503060305020303" pitchFamily="18" charset="0"/>
                 <a:hlinkClick r:id="rId4"/>
               </a:rPr>
               <a:t>https://growplumeria.com/plumeria-in-hawaii/#types-of-plumeria-from-hawaii</a:t>
             </a:r>
-            <a:endParaRPr lang="en-US" dirty="0"/>
-          </a:p>
-          <a:p>
-            <a:r>
-              <a:rPr lang="en-US" dirty="0" err="1"/>
+            <a:endParaRPr lang="en-US" dirty="0">
+              <a:latin typeface="Bell MT" panose="02020503060305020303" pitchFamily="18" charset="0"/>
+            </a:endParaRPr>
+          </a:p>
+          <a:p>
+            <a:r>
+              <a:rPr lang="en-US" dirty="0" err="1">
+                <a:latin typeface="Bell MT" panose="02020503060305020303" pitchFamily="18" charset="0"/>
+              </a:rPr>
               <a:t>Criley</a:t>
             </a:r>
             <a:r>
-              <a:rPr lang="en-US" dirty="0"/>
+              <a:rPr lang="en-US" dirty="0">
+                <a:latin typeface="Bell MT" panose="02020503060305020303" pitchFamily="18" charset="0"/>
+              </a:rPr>
               <a:t>, R.A. 2005. Plumeria in Hawai’i. Ornamentals and Flowers, OF-31. https://www.ctahr.hawaii.edu/oc/freepubs/pdf/of-31.pdf</a:t>
             </a:r>
           </a:p>

--- a/Day2/Project/AFSWorkshop.plumeria.pptx
+++ b/Day2/Project/AFSWorkshop.plumeria.pptx
@@ -265,7 +265,7 @@
           <a:p>
             <a:fld id="{1662C084-7141-476F-9640-CE0148C2D93C}" type="datetimeFigureOut">
               <a:rPr lang="en-US" smtClean="0"/>
-              <a:t>8/7/2024</a:t>
+              <a:t>9/5/2024</a:t>
             </a:fld>
             <a:endParaRPr lang="en-US"/>
           </a:p>
@@ -463,7 +463,7 @@
           <a:p>
             <a:fld id="{1662C084-7141-476F-9640-CE0148C2D93C}" type="datetimeFigureOut">
               <a:rPr lang="en-US" smtClean="0"/>
-              <a:t>8/7/2024</a:t>
+              <a:t>9/5/2024</a:t>
             </a:fld>
             <a:endParaRPr lang="en-US"/>
           </a:p>
@@ -671,7 +671,7 @@
           <a:p>
             <a:fld id="{1662C084-7141-476F-9640-CE0148C2D93C}" type="datetimeFigureOut">
               <a:rPr lang="en-US" smtClean="0"/>
-              <a:t>8/7/2024</a:t>
+              <a:t>9/5/2024</a:t>
             </a:fld>
             <a:endParaRPr lang="en-US"/>
           </a:p>
@@ -869,7 +869,7 @@
           <a:p>
             <a:fld id="{1662C084-7141-476F-9640-CE0148C2D93C}" type="datetimeFigureOut">
               <a:rPr lang="en-US" smtClean="0"/>
-              <a:t>8/7/2024</a:t>
+              <a:t>9/5/2024</a:t>
             </a:fld>
             <a:endParaRPr lang="en-US"/>
           </a:p>
@@ -1144,7 +1144,7 @@
           <a:p>
             <a:fld id="{1662C084-7141-476F-9640-CE0148C2D93C}" type="datetimeFigureOut">
               <a:rPr lang="en-US" smtClean="0"/>
-              <a:t>8/7/2024</a:t>
+              <a:t>9/5/2024</a:t>
             </a:fld>
             <a:endParaRPr lang="en-US"/>
           </a:p>
@@ -1409,7 +1409,7 @@
           <a:p>
             <a:fld id="{1662C084-7141-476F-9640-CE0148C2D93C}" type="datetimeFigureOut">
               <a:rPr lang="en-US" smtClean="0"/>
-              <a:t>8/7/2024</a:t>
+              <a:t>9/5/2024</a:t>
             </a:fld>
             <a:endParaRPr lang="en-US"/>
           </a:p>
@@ -1821,7 +1821,7 @@
           <a:p>
             <a:fld id="{1662C084-7141-476F-9640-CE0148C2D93C}" type="datetimeFigureOut">
               <a:rPr lang="en-US" smtClean="0"/>
-              <a:t>8/7/2024</a:t>
+              <a:t>9/5/2024</a:t>
             </a:fld>
             <a:endParaRPr lang="en-US"/>
           </a:p>
@@ -1962,7 +1962,7 @@
           <a:p>
             <a:fld id="{1662C084-7141-476F-9640-CE0148C2D93C}" type="datetimeFigureOut">
               <a:rPr lang="en-US" smtClean="0"/>
-              <a:t>8/7/2024</a:t>
+              <a:t>9/5/2024</a:t>
             </a:fld>
             <a:endParaRPr lang="en-US"/>
           </a:p>
@@ -2075,7 +2075,7 @@
           <a:p>
             <a:fld id="{1662C084-7141-476F-9640-CE0148C2D93C}" type="datetimeFigureOut">
               <a:rPr lang="en-US" smtClean="0"/>
-              <a:t>8/7/2024</a:t>
+              <a:t>9/5/2024</a:t>
             </a:fld>
             <a:endParaRPr lang="en-US"/>
           </a:p>
@@ -2386,7 +2386,7 @@
           <a:p>
             <a:fld id="{1662C084-7141-476F-9640-CE0148C2D93C}" type="datetimeFigureOut">
               <a:rPr lang="en-US" smtClean="0"/>
-              <a:t>8/7/2024</a:t>
+              <a:t>9/5/2024</a:t>
             </a:fld>
             <a:endParaRPr lang="en-US"/>
           </a:p>
@@ -2674,7 +2674,7 @@
           <a:p>
             <a:fld id="{1662C084-7141-476F-9640-CE0148C2D93C}" type="datetimeFigureOut">
               <a:rPr lang="en-US" smtClean="0"/>
-              <a:t>8/7/2024</a:t>
+              <a:t>9/5/2024</a:t>
             </a:fld>
             <a:endParaRPr lang="en-US"/>
           </a:p>
@@ -2915,7 +2915,7 @@
           <a:p>
             <a:fld id="{1662C084-7141-476F-9640-CE0148C2D93C}" type="datetimeFigureOut">
               <a:rPr lang="en-US" smtClean="0"/>
-              <a:t>8/7/2024</a:t>
+              <a:t>9/5/2024</a:t>
             </a:fld>
             <a:endParaRPr lang="en-US"/>
           </a:p>
@@ -5375,7 +5375,7 @@
           <p:nvPr>
             <p:extLst>
               <p:ext uri="{D42A27DB-BD31-4B8C-83A1-F6EECF244321}">
-                <p14:modId xmlns:p14="http://schemas.microsoft.com/office/powerpoint/2010/main" val="3956468717"/>
+                <p14:modId xmlns:p14="http://schemas.microsoft.com/office/powerpoint/2010/main" val="1334881045"/>
               </p:ext>
             </p:extLst>
           </p:nvPr>
@@ -5754,7 +5754,7 @@
                     <a:p>
                       <a:r>
                         <a:rPr lang="en-US" dirty="0"/>
-                        <a:t>5.32</a:t>
+                        <a:t>5.32000</a:t>
                       </a:r>
                     </a:p>
                   </a:txBody>
@@ -5804,7 +5804,7 @@
                     <a:p>
                       <a:r>
                         <a:rPr lang="en-US" dirty="0"/>
-                        <a:t>5</a:t>
+                        <a:t>5.0</a:t>
                       </a:r>
                     </a:p>
                   </a:txBody>
@@ -6015,7 +6015,7 @@
                     <a:p>
                       <a:r>
                         <a:rPr lang="en-US" dirty="0"/>
-                        <a:t>4.32</a:t>
+                        <a:t>4.32000</a:t>
                       </a:r>
                     </a:p>
                   </a:txBody>
@@ -6065,7 +6065,7 @@
                     <a:p>
                       <a:r>
                         <a:rPr lang="en-US" dirty="0"/>
-                        <a:t>5</a:t>
+                        <a:t>5.0</a:t>
                       </a:r>
                     </a:p>
                   </a:txBody>
@@ -6288,7 +6288,7 @@
                     <a:p>
                       <a:r>
                         <a:rPr lang="en-US" dirty="0"/>
-                        <a:t>4.56</a:t>
+                        <a:t>4.56000</a:t>
                       </a:r>
                     </a:p>
                   </a:txBody>
@@ -6338,7 +6338,7 @@
                     <a:p>
                       <a:r>
                         <a:rPr lang="en-US" dirty="0"/>
-                        <a:t>5</a:t>
+                        <a:t>5.0</a:t>
                       </a:r>
                     </a:p>
                   </a:txBody>
@@ -6454,7 +6454,7 @@
                     <a:p>
                       <a:r>
                         <a:rPr lang="en-US" dirty="0"/>
-                        <a:t>10/1/23</a:t>
+                        <a:t>10-1-23</a:t>
                       </a:r>
                     </a:p>
                   </a:txBody>
@@ -6561,7 +6561,7 @@
                     <a:p>
                       <a:r>
                         <a:rPr lang="en-US" dirty="0"/>
-                        <a:t>7.4</a:t>
+                        <a:t>7.40000</a:t>
                       </a:r>
                     </a:p>
                   </a:txBody>
@@ -6611,7 +6611,7 @@
                     <a:p>
                       <a:r>
                         <a:rPr lang="en-US" dirty="0"/>
-                        <a:t>5</a:t>
+                        <a:t>5.0</a:t>
                       </a:r>
                     </a:p>
                   </a:txBody>
@@ -6715,7 +6715,7 @@
                     <a:p>
                       <a:r>
                         <a:rPr lang="en-US" dirty="0"/>
-                        <a:t>10/1/23</a:t>
+                        <a:t>1/10/23</a:t>
                       </a:r>
                     </a:p>
                   </a:txBody>
@@ -6822,7 +6822,7 @@
                     <a:p>
                       <a:r>
                         <a:rPr lang="en-US" dirty="0"/>
-                        <a:t>6.33</a:t>
+                        <a:t>6.33000</a:t>
                       </a:r>
                     </a:p>
                   </a:txBody>
@@ -6872,7 +6872,7 @@
                     <a:p>
                       <a:r>
                         <a:rPr lang="en-US" dirty="0"/>
-                        <a:t>5</a:t>
+                        <a:t>5.0</a:t>
                       </a:r>
                     </a:p>
                   </a:txBody>
